--- a/apresentacoes/foco-produtividade/aula-01-credibilidade-proposito.pptx
+++ b/apresentacoes/foco-produtividade/aula-01-credibilidade-proposito.pptx
@@ -16,8 +16,8 @@
   <p:notesMasterIdLst>
     <p:notesMasterId r:id="rId9"/>
   </p:notesMasterIdLst>
-  <p:sldSz cx="12188952" cy="6858000"/>
-  <p:notesSz cx="6858000" cy="12188952"/>
+  <p:sldSz cx="9144000" cy="5143500"/>
+  <p:notesSz cx="5143500" cy="9144000"/>
   <p:defaultTextStyle>
     <a:lvl1pPr marL="0" algn="l" defTabSz="914400" rtl="0" eaLnBrk="1" latinLnBrk="0" hangingPunct="1">
       <a:defRPr sz="1800" kern="1200">
@@ -1409,29 +1409,9 @@
           <a:chExt cx="0" cy="0"/>
         </a:xfrm>
       </p:grpSpPr>
-      <p:sp>
-        <p:nvSpPr>
-          <p:cNvPr id="2" name="Shape 0"/>
-          <p:cNvSpPr/>
-          <p:nvPr/>
-        </p:nvSpPr>
-        <p:spPr>
-          <a:xfrm>
-            <a:off x="6089904" y="0"/>
-            <a:ext cx="6099048" cy="6858000"/>
-          </a:xfrm>
-          <a:prstGeom prst="rect">
-            <a:avLst/>
-          </a:prstGeom>
-          <a:solidFill>
-            <a:srgbClr val="16213E"/>
-          </a:solidFill>
-          <a:ln/>
-        </p:spPr>
-      </p:sp>
       <p:pic>
         <p:nvPicPr>
-          <p:cNvPr id="3" name="Image 0" descr="/home/almirmeira/educa-com-talento-repo/cursos/foco-produtividade/certificado/logo-transparente.png">    </p:cNvPr>
+          <p:cNvPr id="2" name="Image 0" descr="preencoded.png">    </p:cNvPr>
           <p:cNvPicPr>
             <a:picLocks noChangeAspect="1"/>
           </p:cNvPicPr>
@@ -1446,7 +1426,7 @@
         <p:spPr>
           <a:xfrm>
             <a:off x="457200" y="274320"/>
-            <a:ext cx="914400" cy="731520"/>
+            <a:ext cx="914400" cy="548640"/>
           </a:xfrm>
           <a:prstGeom prst="rect">
             <a:avLst/>
@@ -1455,14 +1435,53 @@
       </p:pic>
       <p:sp>
         <p:nvSpPr>
+          <p:cNvPr id="3" name="Text 0"/>
+          <p:cNvSpPr/>
+          <p:nvPr/>
+        </p:nvSpPr>
+        <p:spPr>
+          <a:xfrm>
+            <a:off x="457200" y="2286000"/>
+            <a:ext cx="8686800" cy="731520"/>
+          </a:xfrm>
+          <a:prstGeom prst="rect">
+            <a:avLst/>
+          </a:prstGeom>
+          <a:noFill/>
+          <a:ln/>
+        </p:spPr>
+        <p:txBody>
+          <a:bodyPr wrap="square" rtlCol="0" anchor="ctr"/>
+          <a:lstStyle/>
+          <a:p>
+            <a:pPr algn="ctr" indent="0" marL="0">
+              <a:buNone/>
+            </a:pPr>
+            <a:r>
+              <a:rPr lang="en-US" sz="4000" b="1" dirty="0">
+                <a:solidFill>
+                  <a:srgbClr val="FFFFFF"/>
+                </a:solidFill>
+                <a:latin typeface="Arial" pitchFamily="34" charset="0"/>
+                <a:ea typeface="Arial" pitchFamily="34" charset="-122"/>
+                <a:cs typeface="Arial" pitchFamily="34" charset="-120"/>
+              </a:rPr>
+              <a:t>FOCO E PRODUTIVIDADE</a:t>
+            </a:r>
+            <a:endParaRPr lang="en-US" sz="4000" dirty="0"/>
+          </a:p>
+        </p:txBody>
+      </p:sp>
+      <p:sp>
+        <p:nvSpPr>
           <p:cNvPr id="4" name="Text 1"/>
           <p:cNvSpPr/>
           <p:nvPr/>
         </p:nvSpPr>
         <p:spPr>
           <a:xfrm>
-            <a:off x="457200" y="1828800"/>
-            <a:ext cx="11274552" cy="914400"/>
+            <a:off x="457200" y="3017520"/>
+            <a:ext cx="8686800" cy="548640"/>
           </a:xfrm>
           <a:prstGeom prst="rect">
             <a:avLst/>
@@ -1478,17 +1497,17 @@
               <a:buNone/>
             </a:pPr>
             <a:r>
-              <a:rPr lang="en-US" sz="6000" dirty="0">
-                <a:solidFill>
-                  <a:srgbClr val="000000"/>
-                </a:solidFill>
-                <a:latin typeface="Arial" pitchFamily="34" charset="0"/>
-                <a:ea typeface="Arial" pitchFamily="34" charset="-122"/>
-                <a:cs typeface="Arial" pitchFamily="34" charset="-120"/>
-              </a:rPr>
-              <a:t>🎯</a:t>
-            </a:r>
-            <a:endParaRPr lang="en-US" sz="6000" dirty="0"/>
+              <a:rPr lang="en-US" sz="3200" b="1" dirty="0">
+                <a:solidFill>
+                  <a:srgbClr val="667EEA"/>
+                </a:solidFill>
+                <a:latin typeface="Arial" pitchFamily="34" charset="0"/>
+                <a:ea typeface="Arial" pitchFamily="34" charset="-122"/>
+                <a:cs typeface="Arial" pitchFamily="34" charset="-120"/>
+              </a:rPr>
+              <a:t>NOS ESTUDOS</a:t>
+            </a:r>
+            <a:endParaRPr lang="en-US" sz="3200" dirty="0"/>
           </a:p>
         </p:txBody>
       </p:sp>
@@ -1500,8 +1519,8 @@
         </p:nvSpPr>
         <p:spPr>
           <a:xfrm>
-            <a:off x="457200" y="2743200"/>
-            <a:ext cx="11274552" cy="731520"/>
+            <a:off x="457200" y="3840480"/>
+            <a:ext cx="8686800" cy="457200"/>
           </a:xfrm>
           <a:prstGeom prst="rect">
             <a:avLst/>
@@ -1517,7 +1536,7 @@
               <a:buNone/>
             </a:pPr>
             <a:r>
-              <a:rPr lang="en-US" sz="4400" b="1" dirty="0">
+              <a:rPr lang="en-US" sz="1800" dirty="0">
                 <a:solidFill>
                   <a:srgbClr val="FFFFFF"/>
                 </a:solidFill>
@@ -1525,9 +1544,9 @@
                 <a:ea typeface="Arial" pitchFamily="34" charset="-122"/>
                 <a:cs typeface="Arial" pitchFamily="34" charset="-120"/>
               </a:rPr>
-              <a:t>FOCO E PRODUTIVIDADE</a:t>
-            </a:r>
-            <a:endParaRPr lang="en-US" sz="4400" dirty="0"/>
+              <a:t>Aula 1: Credibilidade, Propósito e o Caminho</a:t>
+            </a:r>
+            <a:endParaRPr lang="en-US" sz="1800" dirty="0"/>
           </a:p>
         </p:txBody>
       </p:sp>
@@ -1539,8 +1558,8 @@
         </p:nvSpPr>
         <p:spPr>
           <a:xfrm>
-            <a:off x="457200" y="3383280"/>
-            <a:ext cx="11274552" cy="548640"/>
+            <a:off x="457200" y="4389120"/>
+            <a:ext cx="8686800" cy="365760"/>
           </a:xfrm>
           <a:prstGeom prst="rect">
             <a:avLst/>
@@ -1556,85 +1575,7 @@
               <a:buNone/>
             </a:pPr>
             <a:r>
-              <a:rPr lang="en-US" sz="3600" b="1" dirty="0">
-                <a:solidFill>
-                  <a:srgbClr val="667EEA"/>
-                </a:solidFill>
-                <a:latin typeface="Arial" pitchFamily="34" charset="0"/>
-                <a:ea typeface="Arial" pitchFamily="34" charset="-122"/>
-                <a:cs typeface="Arial" pitchFamily="34" charset="-120"/>
-              </a:rPr>
-              <a:t>NOS ESTUDOS</a:t>
-            </a:r>
-            <a:endParaRPr lang="en-US" sz="3600" dirty="0"/>
-          </a:p>
-        </p:txBody>
-      </p:sp>
-      <p:sp>
-        <p:nvSpPr>
-          <p:cNvPr id="7" name="Text 4"/>
-          <p:cNvSpPr/>
-          <p:nvPr/>
-        </p:nvSpPr>
-        <p:spPr>
-          <a:xfrm>
-            <a:off x="457200" y="4206240"/>
-            <a:ext cx="11274552" cy="457200"/>
-          </a:xfrm>
-          <a:prstGeom prst="rect">
-            <a:avLst/>
-          </a:prstGeom>
-          <a:noFill/>
-          <a:ln/>
-        </p:spPr>
-        <p:txBody>
-          <a:bodyPr wrap="square" rtlCol="0" anchor="ctr"/>
-          <a:lstStyle/>
-          <a:p>
-            <a:pPr algn="ctr" indent="0" marL="0">
-              <a:buNone/>
-            </a:pPr>
-            <a:r>
-              <a:rPr lang="en-US" sz="2200" dirty="0">
-                <a:solidFill>
-                  <a:srgbClr val="FFFFFF"/>
-                </a:solidFill>
-                <a:latin typeface="Arial" pitchFamily="34" charset="0"/>
-                <a:ea typeface="Arial" pitchFamily="34" charset="-122"/>
-                <a:cs typeface="Arial" pitchFamily="34" charset="-120"/>
-              </a:rPr>
-              <a:t>Aula 1: Credibilidade, Propósito e o Caminho</a:t>
-            </a:r>
-            <a:endParaRPr lang="en-US" sz="2200" dirty="0"/>
-          </a:p>
-        </p:txBody>
-      </p:sp>
-      <p:sp>
-        <p:nvSpPr>
-          <p:cNvPr id="8" name="Text 5"/>
-          <p:cNvSpPr/>
-          <p:nvPr/>
-        </p:nvSpPr>
-        <p:spPr>
-          <a:xfrm>
-            <a:off x="457200" y="4846320"/>
-            <a:ext cx="11274552" cy="365760"/>
-          </a:xfrm>
-          <a:prstGeom prst="rect">
-            <a:avLst/>
-          </a:prstGeom>
-          <a:noFill/>
-          <a:ln/>
-        </p:spPr>
-        <p:txBody>
-          <a:bodyPr wrap="square" rtlCol="0" anchor="ctr"/>
-          <a:lstStyle/>
-          <a:p>
-            <a:pPr algn="ctr" indent="0" marL="0">
-              <a:buNone/>
-            </a:pPr>
-            <a:r>
-              <a:rPr lang="en-US" sz="1400" dirty="0">
+              <a:rPr lang="en-US" sz="1200" dirty="0">
                 <a:solidFill>
                   <a:srgbClr val="888888"/>
                 </a:solidFill>
@@ -1644,46 +1585,7 @@
               </a:rPr>
               <a:t>Módulo 1 - Hiperfoco e Hiperprodutividade</a:t>
             </a:r>
-            <a:endParaRPr lang="en-US" sz="1400" dirty="0"/>
-          </a:p>
-        </p:txBody>
-      </p:sp>
-      <p:sp>
-        <p:nvSpPr>
-          <p:cNvPr id="9" name="Text 6"/>
-          <p:cNvSpPr/>
-          <p:nvPr/>
-        </p:nvSpPr>
-        <p:spPr>
-          <a:xfrm>
-            <a:off x="457200" y="6217920"/>
-            <a:ext cx="11274552" cy="365760"/>
-          </a:xfrm>
-          <a:prstGeom prst="rect">
-            <a:avLst/>
-          </a:prstGeom>
-          <a:noFill/>
-          <a:ln/>
-        </p:spPr>
-        <p:txBody>
-          <a:bodyPr wrap="square" rtlCol="0" anchor="ctr"/>
-          <a:lstStyle/>
-          <a:p>
-            <a:pPr algn="ctr" indent="0" marL="0">
-              <a:buNone/>
-            </a:pPr>
-            <a:r>
-              <a:rPr lang="en-US" sz="1400" dirty="0">
-                <a:solidFill>
-                  <a:srgbClr val="888888"/>
-                </a:solidFill>
-                <a:latin typeface="Arial" pitchFamily="34" charset="0"/>
-                <a:ea typeface="Arial" pitchFamily="34" charset="-122"/>
-                <a:cs typeface="Arial" pitchFamily="34" charset="-120"/>
-              </a:rPr>
-              <a:t>Educa com Talento</a:t>
-            </a:r>
-            <a:endParaRPr lang="en-US" sz="1400" dirty="0"/>
+            <a:endParaRPr lang="en-US" sz="1200" dirty="0"/>
           </a:p>
         </p:txBody>
       </p:sp>
@@ -1728,7 +1630,7 @@
         <p:spPr>
           <a:xfrm>
             <a:off x="0" y="0"/>
-            <a:ext cx="12188952" cy="1097280"/>
+            <a:ext cx="9144000" cy="914400"/>
           </a:xfrm>
           <a:prstGeom prst="rect">
             <a:avLst/>
@@ -1741,7 +1643,7 @@
       </p:sp>
       <p:pic>
         <p:nvPicPr>
-          <p:cNvPr id="3" name="Image 0" descr="/home/almirmeira/educa-com-talento-repo/cursos/foco-produtividade/certificado/logo-transparente.png">    </p:cNvPr>
+          <p:cNvPr id="3" name="Image 0" descr="preencoded.png">    </p:cNvPr>
           <p:cNvPicPr>
             <a:picLocks noChangeAspect="1"/>
           </p:cNvPicPr>
@@ -1755,8 +1657,8 @@
         </p:blipFill>
         <p:spPr>
           <a:xfrm>
-            <a:off x="274320" y="182880"/>
-            <a:ext cx="914400" cy="548640"/>
+            <a:off x="274320" y="137160"/>
+            <a:ext cx="914400" cy="457200"/>
           </a:xfrm>
           <a:prstGeom prst="rect">
             <a:avLst/>
@@ -1771,8 +1673,8 @@
         </p:nvSpPr>
         <p:spPr>
           <a:xfrm>
-            <a:off x="1828800" y="274320"/>
-            <a:ext cx="9144000" cy="548640"/>
+            <a:off x="1371600" y="228600"/>
+            <a:ext cx="7315200" cy="457200"/>
           </a:xfrm>
           <a:prstGeom prst="rect">
             <a:avLst/>
@@ -1788,7 +1690,7 @@
               <a:buNone/>
             </a:pPr>
             <a:r>
-              <a:rPr lang="en-US" sz="2800" b="1" dirty="0">
+              <a:rPr lang="en-US" sz="2200" b="1" dirty="0">
                 <a:solidFill>
                   <a:srgbClr val="FFFFFF"/>
                 </a:solidFill>
@@ -1798,7 +1700,7 @@
               </a:rPr>
               <a:t>Por que este curso existe?</a:t>
             </a:r>
-            <a:endParaRPr lang="en-US" sz="2800" dirty="0"/>
+            <a:endParaRPr lang="en-US" sz="2200" dirty="0"/>
           </a:p>
         </p:txBody>
       </p:sp>
@@ -1810,34 +1712,34 @@
         </p:nvSpPr>
         <p:spPr>
           <a:xfrm>
-            <a:off x="457200" y="1371600"/>
-            <a:ext cx="1828800" cy="1371600"/>
-          </a:xfrm>
-          <a:prstGeom prst="rect">
-            <a:avLst/>
-          </a:prstGeom>
-          <a:noFill/>
-          <a:ln/>
-        </p:spPr>
-        <p:txBody>
-          <a:bodyPr wrap="square" rtlCol="0" anchor="ctr"/>
-          <a:lstStyle/>
-          <a:p>
-            <a:pPr algn="ctr" indent="0" marL="0">
-              <a:buNone/>
-            </a:pPr>
-            <a:r>
-              <a:rPr lang="en-US" sz="7000" dirty="0">
-                <a:solidFill>
-                  <a:srgbClr val="000000"/>
-                </a:solidFill>
-                <a:latin typeface="Arial" pitchFamily="34" charset="0"/>
-                <a:ea typeface="Arial" pitchFamily="34" charset="-122"/>
-                <a:cs typeface="Arial" pitchFamily="34" charset="-120"/>
-              </a:rPr>
-              <a:t>🌊</a:t>
-            </a:r>
-            <a:endParaRPr lang="en-US" sz="7000" dirty="0"/>
+            <a:off x="457200" y="1188720"/>
+            <a:ext cx="8229600" cy="457200"/>
+          </a:xfrm>
+          <a:prstGeom prst="rect">
+            <a:avLst/>
+          </a:prstGeom>
+          <a:noFill/>
+          <a:ln/>
+        </p:spPr>
+        <p:txBody>
+          <a:bodyPr wrap="square" rtlCol="0" anchor="ctr"/>
+          <a:lstStyle/>
+          <a:p>
+            <a:pPr indent="0" marL="0">
+              <a:buNone/>
+            </a:pPr>
+            <a:r>
+              <a:rPr lang="en-US" sz="2000" b="1" dirty="0">
+                <a:solidFill>
+                  <a:srgbClr val="FFFFFF"/>
+                </a:solidFill>
+                <a:latin typeface="Arial" pitchFamily="34" charset="0"/>
+                <a:ea typeface="Arial" pitchFamily="34" charset="-122"/>
+                <a:cs typeface="Arial" pitchFamily="34" charset="-120"/>
+              </a:rPr>
+              <a:t>A ERA DA DISTRAÇÃO INFINITA</a:t>
+            </a:r>
+            <a:endParaRPr lang="en-US" sz="2000" dirty="0"/>
           </a:p>
         </p:txBody>
       </p:sp>
@@ -1849,8 +1751,8 @@
         </p:nvSpPr>
         <p:spPr>
           <a:xfrm>
-            <a:off x="2286000" y="1554480"/>
-            <a:ext cx="9144000" cy="548640"/>
+            <a:off x="457200" y="1737360"/>
+            <a:ext cx="8229600" cy="731520"/>
           </a:xfrm>
           <a:prstGeom prst="rect">
             <a:avLst/>
@@ -1866,17 +1768,17 @@
               <a:buNone/>
             </a:pPr>
             <a:r>
-              <a:rPr lang="en-US" sz="2400" b="1" dirty="0">
-                <a:solidFill>
-                  <a:srgbClr val="FFFFFF"/>
-                </a:solidFill>
-                <a:latin typeface="Arial" pitchFamily="34" charset="0"/>
-                <a:ea typeface="Arial" pitchFamily="34" charset="-122"/>
-                <a:cs typeface="Arial" pitchFamily="34" charset="-120"/>
-              </a:rPr>
-              <a:t>A ERA DA DISTRAÇÃO INFINITA</a:t>
-            </a:r>
-            <a:endParaRPr lang="en-US" sz="2400" dirty="0"/>
+              <a:rPr lang="en-US" sz="1300" dirty="0">
+                <a:solidFill>
+                  <a:srgbClr val="888888"/>
+                </a:solidFill>
+                <a:latin typeface="Arial" pitchFamily="34" charset="0"/>
+                <a:ea typeface="Arial" pitchFamily="34" charset="-122"/>
+                <a:cs typeface="Arial" pitchFamily="34" charset="-120"/>
+              </a:rPr>
+              <a:t>Vivemos em uma época onde temos mais acesso à informação do que qualquer geração anterior, mas paradoxalmente, nunca foi tão difícil manter o foco.</a:t>
+            </a:r>
+            <a:endParaRPr lang="en-US" sz="1300" dirty="0"/>
           </a:p>
         </p:txBody>
       </p:sp>
@@ -1888,8 +1790,8 @@
         </p:nvSpPr>
         <p:spPr>
           <a:xfrm>
-            <a:off x="2286000" y="2194560"/>
-            <a:ext cx="9144000" cy="822960"/>
+            <a:off x="457200" y="2651760"/>
+            <a:ext cx="8229600" cy="365760"/>
           </a:xfrm>
           <a:prstGeom prst="rect">
             <a:avLst/>
@@ -1905,86 +1807,30 @@
               <a:buNone/>
             </a:pPr>
             <a:r>
-              <a:rPr lang="en-US" sz="1400" dirty="0">
-                <a:solidFill>
-                  <a:srgbClr val="888888"/>
-                </a:solidFill>
-                <a:latin typeface="Arial" pitchFamily="34" charset="0"/>
-                <a:ea typeface="Arial" pitchFamily="34" charset="-122"/>
-                <a:cs typeface="Arial" pitchFamily="34" charset="-120"/>
-              </a:rPr>
-              <a:t>Vivemos em uma época onde temos mais acesso à informação do que qualquer</a:t>
+              <a:rPr lang="en-US" sz="1400" b="1" dirty="0">
+                <a:solidFill>
+                  <a:srgbClr val="F59E0B"/>
+                </a:solidFill>
+                <a:latin typeface="Arial" pitchFamily="34" charset="0"/>
+                <a:ea typeface="Arial" pitchFamily="34" charset="-122"/>
+                <a:cs typeface="Arial" pitchFamily="34" charset="-120"/>
+              </a:rPr>
+              <a:t>Os "vilões" da sua atenção:</a:t>
             </a:r>
             <a:endParaRPr lang="en-US" sz="1400" dirty="0"/>
           </a:p>
-          <a:p>
-            <a:pPr indent="0" marL="0">
-              <a:buNone/>
-            </a:pPr>
-            <a:r>
-              <a:rPr lang="en-US" sz="1400" dirty="0">
-                <a:solidFill>
-                  <a:srgbClr val="888888"/>
-                </a:solidFill>
-                <a:latin typeface="Arial" pitchFamily="34" charset="0"/>
-                <a:ea typeface="Arial" pitchFamily="34" charset="-122"/>
-                <a:cs typeface="Arial" pitchFamily="34" charset="-120"/>
-              </a:rPr>
-              <a:t>geração anterior, mas paradoxalmente, nunca foi tão difícil manter o foco.</a:t>
-            </a:r>
-            <a:endParaRPr lang="en-US" sz="1400" dirty="0"/>
-          </a:p>
-        </p:txBody>
-      </p:sp>
-      <p:sp>
-        <p:nvSpPr>
-          <p:cNvPr id="8" name="Text 5"/>
-          <p:cNvSpPr/>
-          <p:nvPr/>
-        </p:nvSpPr>
-        <p:spPr>
-          <a:xfrm>
-            <a:off x="457200" y="3200400"/>
-            <a:ext cx="11274552" cy="457200"/>
-          </a:xfrm>
-          <a:prstGeom prst="rect">
-            <a:avLst/>
-          </a:prstGeom>
-          <a:noFill/>
-          <a:ln/>
-        </p:spPr>
-        <p:txBody>
-          <a:bodyPr wrap="square" rtlCol="0" anchor="ctr"/>
-          <a:lstStyle/>
-          <a:p>
-            <a:pPr algn="ctr" indent="0" marL="0">
-              <a:buNone/>
-            </a:pPr>
-            <a:r>
-              <a:rPr lang="en-US" sz="1600" b="1" dirty="0">
-                <a:solidFill>
-                  <a:srgbClr val="F59E0B"/>
-                </a:solidFill>
-                <a:latin typeface="Arial" pitchFamily="34" charset="0"/>
-                <a:ea typeface="Arial" pitchFamily="34" charset="-122"/>
-                <a:cs typeface="Arial" pitchFamily="34" charset="-120"/>
-              </a:rPr>
-              <a:t>Os "vilões" da sua atenção:</a:t>
-            </a:r>
-            <a:endParaRPr lang="en-US" sz="1600" dirty="0"/>
-          </a:p>
-        </p:txBody>
-      </p:sp>
-      <p:sp>
-        <p:nvSpPr>
-          <p:cNvPr id="9" name="Shape 6"/>
-          <p:cNvSpPr/>
-          <p:nvPr/>
-        </p:nvSpPr>
-        <p:spPr>
-          <a:xfrm>
-            <a:off x="914400" y="3657600"/>
-            <a:ext cx="2011680" cy="914400"/>
+        </p:txBody>
+      </p:sp>
+      <p:sp>
+        <p:nvSpPr>
+          <p:cNvPr id="8" name="Shape 5"/>
+          <p:cNvSpPr/>
+          <p:nvPr/>
+        </p:nvSpPr>
+        <p:spPr>
+          <a:xfrm>
+            <a:off x="457200" y="3108960"/>
+            <a:ext cx="2011680" cy="640080"/>
           </a:xfrm>
           <a:prstGeom prst="rect">
             <a:avLst/>
@@ -2002,14 +1848,14 @@
       </p:sp>
       <p:sp>
         <p:nvSpPr>
-          <p:cNvPr id="10" name="Text 7"/>
-          <p:cNvSpPr/>
-          <p:nvPr/>
-        </p:nvSpPr>
-        <p:spPr>
-          <a:xfrm>
-            <a:off x="914400" y="3840480"/>
-            <a:ext cx="2011680" cy="548640"/>
+          <p:cNvPr id="9" name="Text 6"/>
+          <p:cNvSpPr/>
+          <p:nvPr/>
+        </p:nvSpPr>
+        <p:spPr>
+          <a:xfrm>
+            <a:off x="457200" y="3200400"/>
+            <a:ext cx="2011680" cy="457200"/>
           </a:xfrm>
           <a:prstGeom prst="rect">
             <a:avLst/>
@@ -2033,7 +1879,7 @@
                 <a:ea typeface="Arial" pitchFamily="34" charset="-122"/>
                 <a:cs typeface="Arial" pitchFamily="34" charset="-120"/>
               </a:rPr>
-              <a:t>📱 Notificações</a:t>
+              <a:t>Notificações</a:t>
             </a:r>
             <a:endParaRPr lang="en-US" sz="1100" dirty="0"/>
           </a:p>
@@ -2041,14 +1887,14 @@
       </p:sp>
       <p:sp>
         <p:nvSpPr>
-          <p:cNvPr id="11" name="Shape 8"/>
-          <p:cNvSpPr/>
-          <p:nvPr/>
-        </p:nvSpPr>
-        <p:spPr>
-          <a:xfrm>
-            <a:off x="3108960" y="3657600"/>
-            <a:ext cx="2011680" cy="914400"/>
+          <p:cNvPr id="10" name="Shape 7"/>
+          <p:cNvSpPr/>
+          <p:nvPr/>
+        </p:nvSpPr>
+        <p:spPr>
+          <a:xfrm>
+            <a:off x="2606040" y="3108960"/>
+            <a:ext cx="2011680" cy="640080"/>
           </a:xfrm>
           <a:prstGeom prst="rect">
             <a:avLst/>
@@ -2066,14 +1912,14 @@
       </p:sp>
       <p:sp>
         <p:nvSpPr>
-          <p:cNvPr id="12" name="Text 9"/>
-          <p:cNvSpPr/>
-          <p:nvPr/>
-        </p:nvSpPr>
-        <p:spPr>
-          <a:xfrm>
-            <a:off x="3108960" y="3840480"/>
-            <a:ext cx="2011680" cy="548640"/>
+          <p:cNvPr id="11" name="Text 8"/>
+          <p:cNvSpPr/>
+          <p:nvPr/>
+        </p:nvSpPr>
+        <p:spPr>
+          <a:xfrm>
+            <a:off x="2606040" y="3200400"/>
+            <a:ext cx="2011680" cy="457200"/>
           </a:xfrm>
           <a:prstGeom prst="rect">
             <a:avLst/>
@@ -2097,7 +1943,7 @@
                 <a:ea typeface="Arial" pitchFamily="34" charset="-122"/>
                 <a:cs typeface="Arial" pitchFamily="34" charset="-120"/>
               </a:rPr>
-              <a:t>📲 Redes Sociais</a:t>
+              <a:t>Redes Sociais</a:t>
             </a:r>
             <a:endParaRPr lang="en-US" sz="1100" dirty="0"/>
           </a:p>
@@ -2105,14 +1951,14 @@
       </p:sp>
       <p:sp>
         <p:nvSpPr>
-          <p:cNvPr id="13" name="Shape 10"/>
-          <p:cNvSpPr/>
-          <p:nvPr/>
-        </p:nvSpPr>
-        <p:spPr>
-          <a:xfrm>
-            <a:off x="5303520" y="3657600"/>
-            <a:ext cx="2011680" cy="914400"/>
+          <p:cNvPr id="12" name="Shape 9"/>
+          <p:cNvSpPr/>
+          <p:nvPr/>
+        </p:nvSpPr>
+        <p:spPr>
+          <a:xfrm>
+            <a:off x="4754880" y="3108960"/>
+            <a:ext cx="2011680" cy="640080"/>
           </a:xfrm>
           <a:prstGeom prst="rect">
             <a:avLst/>
@@ -2130,14 +1976,14 @@
       </p:sp>
       <p:sp>
         <p:nvSpPr>
-          <p:cNvPr id="14" name="Text 11"/>
-          <p:cNvSpPr/>
-          <p:nvPr/>
-        </p:nvSpPr>
-        <p:spPr>
-          <a:xfrm>
-            <a:off x="5303520" y="3840480"/>
-            <a:ext cx="2011680" cy="548640"/>
+          <p:cNvPr id="13" name="Text 10"/>
+          <p:cNvSpPr/>
+          <p:nvPr/>
+        </p:nvSpPr>
+        <p:spPr>
+          <a:xfrm>
+            <a:off x="4754880" y="3200400"/>
+            <a:ext cx="2011680" cy="457200"/>
           </a:xfrm>
           <a:prstGeom prst="rect">
             <a:avLst/>
@@ -2161,7 +2007,7 @@
                 <a:ea typeface="Arial" pitchFamily="34" charset="-122"/>
                 <a:cs typeface="Arial" pitchFamily="34" charset="-120"/>
               </a:rPr>
-              <a:t>💬 Mensagens</a:t>
+              <a:t>Mensagens</a:t>
             </a:r>
             <a:endParaRPr lang="en-US" sz="1100" dirty="0"/>
           </a:p>
@@ -2169,14 +2015,14 @@
       </p:sp>
       <p:sp>
         <p:nvSpPr>
-          <p:cNvPr id="15" name="Shape 12"/>
-          <p:cNvSpPr/>
-          <p:nvPr/>
-        </p:nvSpPr>
-        <p:spPr>
-          <a:xfrm>
-            <a:off x="7498080" y="3657600"/>
-            <a:ext cx="2011680" cy="914400"/>
+          <p:cNvPr id="14" name="Shape 11"/>
+          <p:cNvSpPr/>
+          <p:nvPr/>
+        </p:nvSpPr>
+        <p:spPr>
+          <a:xfrm>
+            <a:off x="6903720" y="3108960"/>
+            <a:ext cx="2011680" cy="640080"/>
           </a:xfrm>
           <a:prstGeom prst="rect">
             <a:avLst/>
@@ -2194,14 +2040,14 @@
       </p:sp>
       <p:sp>
         <p:nvSpPr>
-          <p:cNvPr id="16" name="Text 13"/>
-          <p:cNvSpPr/>
-          <p:nvPr/>
-        </p:nvSpPr>
-        <p:spPr>
-          <a:xfrm>
-            <a:off x="7498080" y="3840480"/>
-            <a:ext cx="2011680" cy="548640"/>
+          <p:cNvPr id="15" name="Text 12"/>
+          <p:cNvSpPr/>
+          <p:nvPr/>
+        </p:nvSpPr>
+        <p:spPr>
+          <a:xfrm>
+            <a:off x="6903720" y="3200400"/>
+            <a:ext cx="2011680" cy="457200"/>
           </a:xfrm>
           <a:prstGeom prst="rect">
             <a:avLst/>
@@ -2225,7 +2071,7 @@
                 <a:ea typeface="Arial" pitchFamily="34" charset="-122"/>
                 <a:cs typeface="Arial" pitchFamily="34" charset="-120"/>
               </a:rPr>
-              <a:t>📧 E-mails</a:t>
+              <a:t>E-mails</a:t>
             </a:r>
             <a:endParaRPr lang="en-US" sz="1100" dirty="0"/>
           </a:p>
@@ -2233,78 +2079,14 @@
       </p:sp>
       <p:sp>
         <p:nvSpPr>
-          <p:cNvPr id="17" name="Shape 14"/>
-          <p:cNvSpPr/>
-          <p:nvPr/>
-        </p:nvSpPr>
-        <p:spPr>
-          <a:xfrm>
-            <a:off x="9692640" y="3657600"/>
-            <a:ext cx="2011680" cy="914400"/>
-          </a:xfrm>
-          <a:prstGeom prst="rect">
-            <a:avLst/>
-          </a:prstGeom>
-          <a:solidFill>
-            <a:srgbClr val="16213E"/>
-          </a:solidFill>
-          <a:ln w="12700">
-            <a:solidFill>
-              <a:srgbClr val="EF4444"/>
-            </a:solidFill>
-            <a:prstDash val="solid"/>
-          </a:ln>
-        </p:spPr>
-      </p:sp>
-      <p:sp>
-        <p:nvSpPr>
-          <p:cNvPr id="18" name="Text 15"/>
-          <p:cNvSpPr/>
-          <p:nvPr/>
-        </p:nvSpPr>
-        <p:spPr>
-          <a:xfrm>
-            <a:off x="9692640" y="3840480"/>
-            <a:ext cx="2011680" cy="548640"/>
-          </a:xfrm>
-          <a:prstGeom prst="rect">
-            <a:avLst/>
-          </a:prstGeom>
-          <a:noFill/>
-          <a:ln/>
-        </p:spPr>
-        <p:txBody>
-          <a:bodyPr wrap="square" rtlCol="0" anchor="ctr"/>
-          <a:lstStyle/>
-          <a:p>
-            <a:pPr algn="ctr" indent="0" marL="0">
-              <a:buNone/>
-            </a:pPr>
-            <a:r>
-              <a:rPr lang="en-US" sz="1100" dirty="0">
-                <a:solidFill>
-                  <a:srgbClr val="FFFFFF"/>
-                </a:solidFill>
-                <a:latin typeface="Arial" pitchFamily="34" charset="0"/>
-                <a:ea typeface="Arial" pitchFamily="34" charset="-122"/>
-                <a:cs typeface="Arial" pitchFamily="34" charset="-120"/>
-              </a:rPr>
-              <a:t>🔔 Alertas</a:t>
-            </a:r>
-            <a:endParaRPr lang="en-US" sz="1100" dirty="0"/>
-          </a:p>
-        </p:txBody>
-      </p:sp>
-      <p:sp>
-        <p:nvSpPr>
-          <p:cNvPr id="19" name="Shape 16"/>
-          <p:cNvSpPr/>
-          <p:nvPr/>
-        </p:nvSpPr>
-        <p:spPr>
-          <a:xfrm>
-            <a:off x="914400" y="4846320"/>
-            <a:ext cx="10360152" cy="1371600"/>
+          <p:cNvPr id="16" name="Shape 13"/>
+          <p:cNvSpPr/>
+          <p:nvPr/>
+        </p:nvSpPr>
+        <p:spPr>
+          <a:xfrm>
+            <a:off x="457200" y="4023360"/>
+            <a:ext cx="8229600" cy="914400"/>
           </a:xfrm>
           <a:prstGeom prst="rect">
             <a:avLst/>
@@ -2317,14 +2099,14 @@
       </p:sp>
       <p:sp>
         <p:nvSpPr>
-          <p:cNvPr id="20" name="Text 17"/>
-          <p:cNvSpPr/>
-          <p:nvPr/>
-        </p:nvSpPr>
-        <p:spPr>
-          <a:xfrm>
-            <a:off x="914400" y="4937760"/>
-            <a:ext cx="10360152" cy="457200"/>
+          <p:cNvPr id="17" name="Text 14"/>
+          <p:cNvSpPr/>
+          <p:nvPr/>
+        </p:nvSpPr>
+        <p:spPr>
+          <a:xfrm>
+            <a:off x="548640" y="4114800"/>
+            <a:ext cx="8046720" cy="731520"/>
           </a:xfrm>
           <a:prstGeom prst="rect">
             <a:avLst/>
@@ -2340,46 +2122,7 @@
               <a:buNone/>
             </a:pPr>
             <a:r>
-              <a:rPr lang="en-US" sz="1400" b="1" dirty="0">
-                <a:solidFill>
-                  <a:srgbClr val="22C55E"/>
-                </a:solidFill>
-                <a:latin typeface="Arial" pitchFamily="34" charset="0"/>
-                <a:ea typeface="Arial" pitchFamily="34" charset="-122"/>
-                <a:cs typeface="Arial" pitchFamily="34" charset="-120"/>
-              </a:rPr>
-              <a:t>💡 A PROMESSA DESTE CURSO</a:t>
-            </a:r>
-            <a:endParaRPr lang="en-US" sz="1400" dirty="0"/>
-          </a:p>
-        </p:txBody>
-      </p:sp>
-      <p:sp>
-        <p:nvSpPr>
-          <p:cNvPr id="21" name="Text 18"/>
-          <p:cNvSpPr/>
-          <p:nvPr/>
-        </p:nvSpPr>
-        <p:spPr>
-          <a:xfrm>
-            <a:off x="1097280" y="5394960"/>
-            <a:ext cx="10058400" cy="731520"/>
-          </a:xfrm>
-          <a:prstGeom prst="rect">
-            <a:avLst/>
-          </a:prstGeom>
-          <a:noFill/>
-          <a:ln/>
-        </p:spPr>
-        <p:txBody>
-          <a:bodyPr wrap="square" rtlCol="0" anchor="ctr"/>
-          <a:lstStyle/>
-          <a:p>
-            <a:pPr algn="ctr" indent="0" marL="0">
-              <a:buNone/>
-            </a:pPr>
-            <a:r>
-              <a:rPr lang="en-US" sz="1400" dirty="0">
+              <a:rPr lang="en-US" sz="1200" dirty="0">
                 <a:solidFill>
                   <a:srgbClr val="FFFFFF"/>
                 </a:solidFill>
@@ -2387,26 +2130,9 @@
                 <a:ea typeface="Arial" pitchFamily="34" charset="-122"/>
                 <a:cs typeface="Arial" pitchFamily="34" charset="-120"/>
               </a:rPr>
-              <a:t>Um método completo, baseado em ciência, para você reprogramar</a:t>
-            </a:r>
-            <a:endParaRPr lang="en-US" sz="1400" dirty="0"/>
-          </a:p>
-          <a:p>
-            <a:pPr algn="ctr" indent="0" marL="0">
-              <a:buNone/>
-            </a:pPr>
-            <a:r>
-              <a:rPr lang="en-US" sz="1400" dirty="0">
-                <a:solidFill>
-                  <a:srgbClr val="FFFFFF"/>
-                </a:solidFill>
-                <a:latin typeface="Arial" pitchFamily="34" charset="0"/>
-                <a:ea typeface="Arial" pitchFamily="34" charset="-122"/>
-                <a:cs typeface="Arial" pitchFamily="34" charset="-120"/>
-              </a:rPr>
-              <a:t>sua mente e alcançar níveis de foco que você talvez nem acredite serem possíveis.</a:t>
-            </a:r>
-            <a:endParaRPr lang="en-US" sz="1400" dirty="0"/>
+              <a:t>A PROMESSA: Um método completo, baseado em ciência, para reprogramar sua mente e alcançar níveis de foco extraordinários.</a:t>
+            </a:r>
+            <a:endParaRPr lang="en-US" sz="1200" dirty="0"/>
           </a:p>
         </p:txBody>
       </p:sp>
@@ -2451,7 +2177,7 @@
         <p:spPr>
           <a:xfrm>
             <a:off x="0" y="0"/>
-            <a:ext cx="12188952" cy="1097280"/>
+            <a:ext cx="9144000" cy="914400"/>
           </a:xfrm>
           <a:prstGeom prst="rect">
             <a:avLst/>
@@ -2464,7 +2190,7 @@
       </p:sp>
       <p:pic>
         <p:nvPicPr>
-          <p:cNvPr id="3" name="Image 0" descr="/home/almirmeira/educa-com-talento-repo/cursos/foco-produtividade/certificado/logo-transparente.png">    </p:cNvPr>
+          <p:cNvPr id="3" name="Image 0" descr="preencoded.png">    </p:cNvPr>
           <p:cNvPicPr>
             <a:picLocks noChangeAspect="1"/>
           </p:cNvPicPr>
@@ -2478,8 +2204,8 @@
         </p:blipFill>
         <p:spPr>
           <a:xfrm>
-            <a:off x="274320" y="182880"/>
-            <a:ext cx="914400" cy="548640"/>
+            <a:off x="274320" y="137160"/>
+            <a:ext cx="914400" cy="457200"/>
           </a:xfrm>
           <a:prstGeom prst="rect">
             <a:avLst/>
@@ -2494,8 +2220,8 @@
         </p:nvSpPr>
         <p:spPr>
           <a:xfrm>
-            <a:off x="1828800" y="274320"/>
-            <a:ext cx="9144000" cy="548640"/>
+            <a:off x="1371600" y="228600"/>
+            <a:ext cx="7315200" cy="457200"/>
           </a:xfrm>
           <a:prstGeom prst="rect">
             <a:avLst/>
@@ -2511,7 +2237,7 @@
               <a:buNone/>
             </a:pPr>
             <a:r>
-              <a:rPr lang="en-US" sz="2800" b="1" dirty="0">
+              <a:rPr lang="en-US" sz="2200" b="1" dirty="0">
                 <a:solidFill>
                   <a:srgbClr val="FFFFFF"/>
                 </a:solidFill>
@@ -2521,7 +2247,7 @@
               </a:rPr>
               <a:t>Credibilidade do Método</a:t>
             </a:r>
-            <a:endParaRPr lang="en-US" sz="2800" dirty="0"/>
+            <a:endParaRPr lang="en-US" sz="2200" dirty="0"/>
           </a:p>
         </p:txBody>
       </p:sp>
@@ -2533,24 +2259,24 @@
         </p:nvSpPr>
         <p:spPr>
           <a:xfrm>
-            <a:off x="457200" y="1371600"/>
-            <a:ext cx="11274552" cy="457200"/>
-          </a:xfrm>
-          <a:prstGeom prst="rect">
-            <a:avLst/>
-          </a:prstGeom>
-          <a:noFill/>
-          <a:ln/>
-        </p:spPr>
-        <p:txBody>
-          <a:bodyPr wrap="square" rtlCol="0" anchor="ctr"/>
-          <a:lstStyle/>
-          <a:p>
-            <a:pPr algn="ctr" indent="0" marL="0">
-              <a:buNone/>
-            </a:pPr>
-            <a:r>
-              <a:rPr lang="en-US" sz="1800" b="1" dirty="0">
+            <a:off x="457200" y="1097280"/>
+            <a:ext cx="8229600" cy="457200"/>
+          </a:xfrm>
+          <a:prstGeom prst="rect">
+            <a:avLst/>
+          </a:prstGeom>
+          <a:noFill/>
+          <a:ln/>
+        </p:spPr>
+        <p:txBody>
+          <a:bodyPr wrap="square" rtlCol="0" anchor="ctr"/>
+          <a:lstStyle/>
+          <a:p>
+            <a:pPr indent="0" marL="0">
+              <a:buNone/>
+            </a:pPr>
+            <a:r>
+              <a:rPr lang="en-US" sz="1600" b="1" dirty="0">
                 <a:solidFill>
                   <a:srgbClr val="22C55E"/>
                 </a:solidFill>
@@ -2558,61 +2284,22 @@
                 <a:ea typeface="Arial" pitchFamily="34" charset="-122"/>
                 <a:cs typeface="Arial" pitchFamily="34" charset="-120"/>
               </a:rPr>
-              <a:t>🔬 BASE CIENTÍFICA SÓLIDA</a:t>
-            </a:r>
-            <a:endParaRPr lang="en-US" sz="1800" dirty="0"/>
-          </a:p>
-        </p:txBody>
-      </p:sp>
-      <p:sp>
-        <p:nvSpPr>
-          <p:cNvPr id="6" name="Text 3"/>
-          <p:cNvSpPr/>
-          <p:nvPr/>
-        </p:nvSpPr>
-        <p:spPr>
-          <a:xfrm>
-            <a:off x="457200" y="1828800"/>
-            <a:ext cx="11274552" cy="365760"/>
-          </a:xfrm>
-          <a:prstGeom prst="rect">
-            <a:avLst/>
-          </a:prstGeom>
-          <a:noFill/>
-          <a:ln/>
-        </p:spPr>
-        <p:txBody>
-          <a:bodyPr wrap="square" rtlCol="0" anchor="ctr"/>
-          <a:lstStyle/>
-          <a:p>
-            <a:pPr algn="ctr" indent="0" marL="0">
-              <a:buNone/>
-            </a:pPr>
-            <a:r>
-              <a:rPr lang="en-US" sz="1400" dirty="0">
-                <a:solidFill>
-                  <a:srgbClr val="888888"/>
-                </a:solidFill>
-                <a:latin typeface="Arial" pitchFamily="34" charset="0"/>
-                <a:ea typeface="Arial" pitchFamily="34" charset="-122"/>
-                <a:cs typeface="Arial" pitchFamily="34" charset="-120"/>
-              </a:rPr>
-              <a:t>Neurociência + Psicologia Cognitiva</a:t>
-            </a:r>
-            <a:endParaRPr lang="en-US" sz="1400" dirty="0"/>
-          </a:p>
-        </p:txBody>
-      </p:sp>
-      <p:sp>
-        <p:nvSpPr>
-          <p:cNvPr id="7" name="Shape 4"/>
-          <p:cNvSpPr/>
-          <p:nvPr/>
-        </p:nvSpPr>
-        <p:spPr>
-          <a:xfrm>
-            <a:off x="731520" y="2377440"/>
-            <a:ext cx="3474720" cy="2286000"/>
+              <a:t>BASE CIENTÍFICA: Neurociência + Psicologia Cognitiva</a:t>
+            </a:r>
+            <a:endParaRPr lang="en-US" sz="1600" dirty="0"/>
+          </a:p>
+        </p:txBody>
+      </p:sp>
+      <p:sp>
+        <p:nvSpPr>
+          <p:cNvPr id="6" name="Shape 3"/>
+          <p:cNvSpPr/>
+          <p:nvPr/>
+        </p:nvSpPr>
+        <p:spPr>
+          <a:xfrm>
+            <a:off x="457200" y="1737360"/>
+            <a:ext cx="2743200" cy="1645920"/>
           </a:xfrm>
           <a:prstGeom prst="rect">
             <a:avLst/>
@@ -2630,14 +2317,53 @@
       </p:sp>
       <p:sp>
         <p:nvSpPr>
+          <p:cNvPr id="7" name="Text 4"/>
+          <p:cNvSpPr/>
+          <p:nvPr/>
+        </p:nvSpPr>
+        <p:spPr>
+          <a:xfrm>
+            <a:off x="457200" y="1920240"/>
+            <a:ext cx="2743200" cy="457200"/>
+          </a:xfrm>
+          <a:prstGeom prst="rect">
+            <a:avLst/>
+          </a:prstGeom>
+          <a:noFill/>
+          <a:ln/>
+        </p:spPr>
+        <p:txBody>
+          <a:bodyPr wrap="square" rtlCol="0" anchor="ctr"/>
+          <a:lstStyle/>
+          <a:p>
+            <a:pPr algn="ctr" indent="0" marL="0">
+              <a:buNone/>
+            </a:pPr>
+            <a:r>
+              <a:rPr lang="en-US" sz="1300" b="1" dirty="0">
+                <a:solidFill>
+                  <a:srgbClr val="FFFFFF"/>
+                </a:solidFill>
+                <a:latin typeface="Arial" pitchFamily="34" charset="0"/>
+                <a:ea typeface="Arial" pitchFamily="34" charset="-122"/>
+                <a:cs typeface="Arial" pitchFamily="34" charset="-120"/>
+              </a:rPr>
+              <a:t>Chris Bailey</a:t>
+            </a:r>
+            <a:endParaRPr lang="en-US" sz="1300" dirty="0"/>
+          </a:p>
+        </p:txBody>
+      </p:sp>
+      <p:sp>
+        <p:nvSpPr>
           <p:cNvPr id="8" name="Text 5"/>
           <p:cNvSpPr/>
           <p:nvPr/>
         </p:nvSpPr>
         <p:spPr>
           <a:xfrm>
-            <a:off x="731520" y="2560320"/>
-            <a:ext cx="3474720" cy="640080"/>
+            <a:off x="457200" y="2377440"/>
+            <a:ext cx="2743200" cy="457200"/>
           </a:xfrm>
           <a:prstGeom prst="rect">
             <a:avLst/>
@@ -2653,85 +2379,7 @@
               <a:buNone/>
             </a:pPr>
             <a:r>
-              <a:rPr lang="en-US" sz="3600" dirty="0">
-                <a:solidFill>
-                  <a:srgbClr val="000000"/>
-                </a:solidFill>
-                <a:latin typeface="Arial" pitchFamily="34" charset="0"/>
-                <a:ea typeface="Arial" pitchFamily="34" charset="-122"/>
-                <a:cs typeface="Arial" pitchFamily="34" charset="-120"/>
-              </a:rPr>
-              <a:t>📚</a:t>
-            </a:r>
-            <a:endParaRPr lang="en-US" sz="3600" dirty="0"/>
-          </a:p>
-        </p:txBody>
-      </p:sp>
-      <p:sp>
-        <p:nvSpPr>
-          <p:cNvPr id="9" name="Text 6"/>
-          <p:cNvSpPr/>
-          <p:nvPr/>
-        </p:nvSpPr>
-        <p:spPr>
-          <a:xfrm>
-            <a:off x="731520" y="3200400"/>
-            <a:ext cx="3474720" cy="457200"/>
-          </a:xfrm>
-          <a:prstGeom prst="rect">
-            <a:avLst/>
-          </a:prstGeom>
-          <a:noFill/>
-          <a:ln/>
-        </p:spPr>
-        <p:txBody>
-          <a:bodyPr wrap="square" rtlCol="0" anchor="ctr"/>
-          <a:lstStyle/>
-          <a:p>
-            <a:pPr algn="ctr" indent="0" marL="0">
-              <a:buNone/>
-            </a:pPr>
-            <a:r>
-              <a:rPr lang="en-US" sz="1400" b="1" dirty="0">
-                <a:solidFill>
-                  <a:srgbClr val="FFFFFF"/>
-                </a:solidFill>
-                <a:latin typeface="Arial" pitchFamily="34" charset="0"/>
-                <a:ea typeface="Arial" pitchFamily="34" charset="-122"/>
-                <a:cs typeface="Arial" pitchFamily="34" charset="-120"/>
-              </a:rPr>
-              <a:t>Chris Bailey</a:t>
-            </a:r>
-            <a:endParaRPr lang="en-US" sz="1400" dirty="0"/>
-          </a:p>
-        </p:txBody>
-      </p:sp>
-      <p:sp>
-        <p:nvSpPr>
-          <p:cNvPr id="10" name="Text 7"/>
-          <p:cNvSpPr/>
-          <p:nvPr/>
-        </p:nvSpPr>
-        <p:spPr>
-          <a:xfrm>
-            <a:off x="731520" y="3611880"/>
-            <a:ext cx="3474720" cy="365760"/>
-          </a:xfrm>
-          <a:prstGeom prst="rect">
-            <a:avLst/>
-          </a:prstGeom>
-          <a:noFill/>
-          <a:ln/>
-        </p:spPr>
-        <p:txBody>
-          <a:bodyPr wrap="square" rtlCol="0" anchor="ctr"/>
-          <a:lstStyle/>
-          <a:p>
-            <a:pPr algn="ctr" indent="0" marL="0">
-              <a:buNone/>
-            </a:pPr>
-            <a:r>
-              <a:rPr lang="en-US" sz="1200" dirty="0">
+              <a:rPr lang="en-US" sz="1100" dirty="0">
                 <a:solidFill>
                   <a:srgbClr val="667EEA"/>
                 </a:solidFill>
@@ -2741,59 +2389,20 @@
               </a:rPr>
               <a:t>"Hiperfoco"</a:t>
             </a:r>
-            <a:endParaRPr lang="en-US" sz="1200" dirty="0"/>
-          </a:p>
-        </p:txBody>
-      </p:sp>
-      <p:sp>
-        <p:nvSpPr>
-          <p:cNvPr id="11" name="Text 8"/>
-          <p:cNvSpPr/>
-          <p:nvPr/>
-        </p:nvSpPr>
-        <p:spPr>
-          <a:xfrm>
-            <a:off x="731520" y="3977640"/>
-            <a:ext cx="3474720" cy="457200"/>
-          </a:xfrm>
-          <a:prstGeom prst="rect">
-            <a:avLst/>
-          </a:prstGeom>
-          <a:noFill/>
-          <a:ln/>
-        </p:spPr>
-        <p:txBody>
-          <a:bodyPr wrap="square" rtlCol="0" anchor="ctr"/>
-          <a:lstStyle/>
-          <a:p>
-            <a:pPr algn="ctr" indent="0" marL="0">
-              <a:buNone/>
-            </a:pPr>
-            <a:r>
-              <a:rPr lang="en-US" sz="1000" dirty="0">
-                <a:solidFill>
-                  <a:srgbClr val="888888"/>
-                </a:solidFill>
-                <a:latin typeface="Arial" pitchFamily="34" charset="0"/>
-                <a:ea typeface="Arial" pitchFamily="34" charset="-122"/>
-                <a:cs typeface="Arial" pitchFamily="34" charset="-120"/>
-              </a:rPr>
-              <a:t>Anos pesquisando produtividade</a:t>
-            </a:r>
-            <a:endParaRPr lang="en-US" sz="1000" dirty="0"/>
-          </a:p>
-        </p:txBody>
-      </p:sp>
-      <p:sp>
-        <p:nvSpPr>
-          <p:cNvPr id="12" name="Shape 9"/>
-          <p:cNvSpPr/>
-          <p:nvPr/>
-        </p:nvSpPr>
-        <p:spPr>
-          <a:xfrm>
-            <a:off x="4572000" y="2377440"/>
-            <a:ext cx="3474720" cy="2286000"/>
+            <a:endParaRPr lang="en-US" sz="1100" dirty="0"/>
+          </a:p>
+        </p:txBody>
+      </p:sp>
+      <p:sp>
+        <p:nvSpPr>
+          <p:cNvPr id="9" name="Shape 6"/>
+          <p:cNvSpPr/>
+          <p:nvPr/>
+        </p:nvSpPr>
+        <p:spPr>
+          <a:xfrm>
+            <a:off x="3337560" y="1737360"/>
+            <a:ext cx="2743200" cy="1645920"/>
           </a:xfrm>
           <a:prstGeom prst="rect">
             <a:avLst/>
@@ -2811,14 +2420,14 @@
       </p:sp>
       <p:sp>
         <p:nvSpPr>
-          <p:cNvPr id="13" name="Text 10"/>
-          <p:cNvSpPr/>
-          <p:nvPr/>
-        </p:nvSpPr>
-        <p:spPr>
-          <a:xfrm>
-            <a:off x="4572000" y="2560320"/>
-            <a:ext cx="3474720" cy="640080"/>
+          <p:cNvPr id="10" name="Text 7"/>
+          <p:cNvSpPr/>
+          <p:nvPr/>
+        </p:nvSpPr>
+        <p:spPr>
+          <a:xfrm>
+            <a:off x="3337560" y="1920240"/>
+            <a:ext cx="2743200" cy="457200"/>
           </a:xfrm>
           <a:prstGeom prst="rect">
             <a:avLst/>
@@ -2834,30 +2443,30 @@
               <a:buNone/>
             </a:pPr>
             <a:r>
-              <a:rPr lang="en-US" sz="3600" dirty="0">
-                <a:solidFill>
-                  <a:srgbClr val="000000"/>
-                </a:solidFill>
-                <a:latin typeface="Arial" pitchFamily="34" charset="0"/>
-                <a:ea typeface="Arial" pitchFamily="34" charset="-122"/>
-                <a:cs typeface="Arial" pitchFamily="34" charset="-120"/>
-              </a:rPr>
-              <a:t>📚</a:t>
-            </a:r>
-            <a:endParaRPr lang="en-US" sz="3600" dirty="0"/>
-          </a:p>
-        </p:txBody>
-      </p:sp>
-      <p:sp>
-        <p:nvSpPr>
-          <p:cNvPr id="14" name="Text 11"/>
-          <p:cNvSpPr/>
-          <p:nvPr/>
-        </p:nvSpPr>
-        <p:spPr>
-          <a:xfrm>
-            <a:off x="4572000" y="3200400"/>
-            <a:ext cx="3474720" cy="457200"/>
+              <a:rPr lang="en-US" sz="1300" b="1" dirty="0">
+                <a:solidFill>
+                  <a:srgbClr val="FFFFFF"/>
+                </a:solidFill>
+                <a:latin typeface="Arial" pitchFamily="34" charset="0"/>
+                <a:ea typeface="Arial" pitchFamily="34" charset="-122"/>
+                <a:cs typeface="Arial" pitchFamily="34" charset="-120"/>
+              </a:rPr>
+              <a:t>Cal Newport</a:t>
+            </a:r>
+            <a:endParaRPr lang="en-US" sz="1300" dirty="0"/>
+          </a:p>
+        </p:txBody>
+      </p:sp>
+      <p:sp>
+        <p:nvSpPr>
+          <p:cNvPr id="11" name="Text 8"/>
+          <p:cNvSpPr/>
+          <p:nvPr/>
+        </p:nvSpPr>
+        <p:spPr>
+          <a:xfrm>
+            <a:off x="3337560" y="2377440"/>
+            <a:ext cx="2743200" cy="457200"/>
           </a:xfrm>
           <a:prstGeom prst="rect">
             <a:avLst/>
@@ -2873,46 +2482,7 @@
               <a:buNone/>
             </a:pPr>
             <a:r>
-              <a:rPr lang="en-US" sz="1400" b="1" dirty="0">
-                <a:solidFill>
-                  <a:srgbClr val="FFFFFF"/>
-                </a:solidFill>
-                <a:latin typeface="Arial" pitchFamily="34" charset="0"/>
-                <a:ea typeface="Arial" pitchFamily="34" charset="-122"/>
-                <a:cs typeface="Arial" pitchFamily="34" charset="-120"/>
-              </a:rPr>
-              <a:t>Cal Newport</a:t>
-            </a:r>
-            <a:endParaRPr lang="en-US" sz="1400" dirty="0"/>
-          </a:p>
-        </p:txBody>
-      </p:sp>
-      <p:sp>
-        <p:nvSpPr>
-          <p:cNvPr id="15" name="Text 12"/>
-          <p:cNvSpPr/>
-          <p:nvPr/>
-        </p:nvSpPr>
-        <p:spPr>
-          <a:xfrm>
-            <a:off x="4572000" y="3611880"/>
-            <a:ext cx="3474720" cy="365760"/>
-          </a:xfrm>
-          <a:prstGeom prst="rect">
-            <a:avLst/>
-          </a:prstGeom>
-          <a:noFill/>
-          <a:ln/>
-        </p:spPr>
-        <p:txBody>
-          <a:bodyPr wrap="square" rtlCol="0" anchor="ctr"/>
-          <a:lstStyle/>
-          <a:p>
-            <a:pPr algn="ctr" indent="0" marL="0">
-              <a:buNone/>
-            </a:pPr>
-            <a:r>
-              <a:rPr lang="en-US" sz="1200" dirty="0">
+              <a:rPr lang="en-US" sz="1100" dirty="0">
                 <a:solidFill>
                   <a:srgbClr val="667EEA"/>
                 </a:solidFill>
@@ -2922,59 +2492,20 @@
               </a:rPr>
               <a:t>"Deep Work"</a:t>
             </a:r>
-            <a:endParaRPr lang="en-US" sz="1200" dirty="0"/>
-          </a:p>
-        </p:txBody>
-      </p:sp>
-      <p:sp>
-        <p:nvSpPr>
-          <p:cNvPr id="16" name="Text 13"/>
-          <p:cNvSpPr/>
-          <p:nvPr/>
-        </p:nvSpPr>
-        <p:spPr>
-          <a:xfrm>
-            <a:off x="4572000" y="3977640"/>
-            <a:ext cx="3474720" cy="457200"/>
-          </a:xfrm>
-          <a:prstGeom prst="rect">
-            <a:avLst/>
-          </a:prstGeom>
-          <a:noFill/>
-          <a:ln/>
-        </p:spPr>
-        <p:txBody>
-          <a:bodyPr wrap="square" rtlCol="0" anchor="ctr"/>
-          <a:lstStyle/>
-          <a:p>
-            <a:pPr algn="ctr" indent="0" marL="0">
-              <a:buNone/>
-            </a:pPr>
-            <a:r>
-              <a:rPr lang="en-US" sz="1000" dirty="0">
-                <a:solidFill>
-                  <a:srgbClr val="888888"/>
-                </a:solidFill>
-                <a:latin typeface="Arial" pitchFamily="34" charset="0"/>
-                <a:ea typeface="Arial" pitchFamily="34" charset="-122"/>
-                <a:cs typeface="Arial" pitchFamily="34" charset="-120"/>
-              </a:rPr>
-              <a:t>Professor de Georgetown</a:t>
-            </a:r>
-            <a:endParaRPr lang="en-US" sz="1000" dirty="0"/>
-          </a:p>
-        </p:txBody>
-      </p:sp>
-      <p:sp>
-        <p:nvSpPr>
-          <p:cNvPr id="17" name="Shape 14"/>
-          <p:cNvSpPr/>
-          <p:nvPr/>
-        </p:nvSpPr>
-        <p:spPr>
-          <a:xfrm>
-            <a:off x="8412480" y="2377440"/>
-            <a:ext cx="3474720" cy="2286000"/>
+            <a:endParaRPr lang="en-US" sz="1100" dirty="0"/>
+          </a:p>
+        </p:txBody>
+      </p:sp>
+      <p:sp>
+        <p:nvSpPr>
+          <p:cNvPr id="12" name="Shape 9"/>
+          <p:cNvSpPr/>
+          <p:nvPr/>
+        </p:nvSpPr>
+        <p:spPr>
+          <a:xfrm>
+            <a:off x="6217920" y="1737360"/>
+            <a:ext cx="2743200" cy="1645920"/>
           </a:xfrm>
           <a:prstGeom prst="rect">
             <a:avLst/>
@@ -2992,14 +2523,14 @@
       </p:sp>
       <p:sp>
         <p:nvSpPr>
-          <p:cNvPr id="18" name="Text 15"/>
-          <p:cNvSpPr/>
-          <p:nvPr/>
-        </p:nvSpPr>
-        <p:spPr>
-          <a:xfrm>
-            <a:off x="8412480" y="2560320"/>
-            <a:ext cx="3474720" cy="640080"/>
+          <p:cNvPr id="13" name="Text 10"/>
+          <p:cNvSpPr/>
+          <p:nvPr/>
+        </p:nvSpPr>
+        <p:spPr>
+          <a:xfrm>
+            <a:off x="6217920" y="1920240"/>
+            <a:ext cx="2743200" cy="457200"/>
           </a:xfrm>
           <a:prstGeom prst="rect">
             <a:avLst/>
@@ -3015,30 +2546,30 @@
               <a:buNone/>
             </a:pPr>
             <a:r>
-              <a:rPr lang="en-US" sz="3600" dirty="0">
-                <a:solidFill>
-                  <a:srgbClr val="000000"/>
-                </a:solidFill>
-                <a:latin typeface="Arial" pitchFamily="34" charset="0"/>
-                <a:ea typeface="Arial" pitchFamily="34" charset="-122"/>
-                <a:cs typeface="Arial" pitchFamily="34" charset="-120"/>
-              </a:rPr>
-              <a:t>📚</a:t>
-            </a:r>
-            <a:endParaRPr lang="en-US" sz="3600" dirty="0"/>
-          </a:p>
-        </p:txBody>
-      </p:sp>
-      <p:sp>
-        <p:nvSpPr>
-          <p:cNvPr id="19" name="Text 16"/>
-          <p:cNvSpPr/>
-          <p:nvPr/>
-        </p:nvSpPr>
-        <p:spPr>
-          <a:xfrm>
-            <a:off x="8412480" y="3200400"/>
-            <a:ext cx="3474720" cy="457200"/>
+              <a:rPr lang="en-US" sz="1300" b="1" dirty="0">
+                <a:solidFill>
+                  <a:srgbClr val="FFFFFF"/>
+                </a:solidFill>
+                <a:latin typeface="Arial" pitchFamily="34" charset="0"/>
+                <a:ea typeface="Arial" pitchFamily="34" charset="-122"/>
+                <a:cs typeface="Arial" pitchFamily="34" charset="-120"/>
+              </a:rPr>
+              <a:t>Scott Young</a:t>
+            </a:r>
+            <a:endParaRPr lang="en-US" sz="1300" dirty="0"/>
+          </a:p>
+        </p:txBody>
+      </p:sp>
+      <p:sp>
+        <p:nvSpPr>
+          <p:cNvPr id="14" name="Text 11"/>
+          <p:cNvSpPr/>
+          <p:nvPr/>
+        </p:nvSpPr>
+        <p:spPr>
+          <a:xfrm>
+            <a:off x="6217920" y="2377440"/>
+            <a:ext cx="2743200" cy="457200"/>
           </a:xfrm>
           <a:prstGeom prst="rect">
             <a:avLst/>
@@ -3054,46 +2585,7 @@
               <a:buNone/>
             </a:pPr>
             <a:r>
-              <a:rPr lang="en-US" sz="1400" b="1" dirty="0">
-                <a:solidFill>
-                  <a:srgbClr val="FFFFFF"/>
-                </a:solidFill>
-                <a:latin typeface="Arial" pitchFamily="34" charset="0"/>
-                <a:ea typeface="Arial" pitchFamily="34" charset="-122"/>
-                <a:cs typeface="Arial" pitchFamily="34" charset="-120"/>
-              </a:rPr>
-              <a:t>Scott Young</a:t>
-            </a:r>
-            <a:endParaRPr lang="en-US" sz="1400" dirty="0"/>
-          </a:p>
-        </p:txBody>
-      </p:sp>
-      <p:sp>
-        <p:nvSpPr>
-          <p:cNvPr id="20" name="Text 17"/>
-          <p:cNvSpPr/>
-          <p:nvPr/>
-        </p:nvSpPr>
-        <p:spPr>
-          <a:xfrm>
-            <a:off x="8412480" y="3611880"/>
-            <a:ext cx="3474720" cy="365760"/>
-          </a:xfrm>
-          <a:prstGeom prst="rect">
-            <a:avLst/>
-          </a:prstGeom>
-          <a:noFill/>
-          <a:ln/>
-        </p:spPr>
-        <p:txBody>
-          <a:bodyPr wrap="square" rtlCol="0" anchor="ctr"/>
-          <a:lstStyle/>
-          <a:p>
-            <a:pPr algn="ctr" indent="0" marL="0">
-              <a:buNone/>
-            </a:pPr>
-            <a:r>
-              <a:rPr lang="en-US" sz="1200" dirty="0">
+              <a:rPr lang="en-US" sz="1100" dirty="0">
                 <a:solidFill>
                   <a:srgbClr val="667EEA"/>
                 </a:solidFill>
@@ -3103,59 +2595,20 @@
               </a:rPr>
               <a:t>"Ultra-Aprendizado"</a:t>
             </a:r>
-            <a:endParaRPr lang="en-US" sz="1200" dirty="0"/>
-          </a:p>
-        </p:txBody>
-      </p:sp>
-      <p:sp>
-        <p:nvSpPr>
-          <p:cNvPr id="21" name="Text 18"/>
-          <p:cNvSpPr/>
-          <p:nvPr/>
-        </p:nvSpPr>
-        <p:spPr>
-          <a:xfrm>
-            <a:off x="8412480" y="3977640"/>
-            <a:ext cx="3474720" cy="457200"/>
-          </a:xfrm>
-          <a:prstGeom prst="rect">
-            <a:avLst/>
-          </a:prstGeom>
-          <a:noFill/>
-          <a:ln/>
-        </p:spPr>
-        <p:txBody>
-          <a:bodyPr wrap="square" rtlCol="0" anchor="ctr"/>
-          <a:lstStyle/>
-          <a:p>
-            <a:pPr algn="ctr" indent="0" marL="0">
-              <a:buNone/>
-            </a:pPr>
-            <a:r>
-              <a:rPr lang="en-US" sz="1000" dirty="0">
-                <a:solidFill>
-                  <a:srgbClr val="888888"/>
-                </a:solidFill>
-                <a:latin typeface="Arial" pitchFamily="34" charset="0"/>
-                <a:ea typeface="Arial" pitchFamily="34" charset="-122"/>
-                <a:cs typeface="Arial" pitchFamily="34" charset="-120"/>
-              </a:rPr>
-              <a:t>MIT em 1 ano</a:t>
-            </a:r>
-            <a:endParaRPr lang="en-US" sz="1000" dirty="0"/>
-          </a:p>
-        </p:txBody>
-      </p:sp>
-      <p:sp>
-        <p:nvSpPr>
-          <p:cNvPr id="22" name="Shape 19"/>
-          <p:cNvSpPr/>
-          <p:nvPr/>
-        </p:nvSpPr>
-        <p:spPr>
-          <a:xfrm>
-            <a:off x="914400" y="4937760"/>
-            <a:ext cx="10360152" cy="1371600"/>
+            <a:endParaRPr lang="en-US" sz="1100" dirty="0"/>
+          </a:p>
+        </p:txBody>
+      </p:sp>
+      <p:sp>
+        <p:nvSpPr>
+          <p:cNvPr id="15" name="Shape 12"/>
+          <p:cNvSpPr/>
+          <p:nvPr/>
+        </p:nvSpPr>
+        <p:spPr>
+          <a:xfrm>
+            <a:off x="457200" y="3657600"/>
+            <a:ext cx="8229600" cy="731520"/>
           </a:xfrm>
           <a:prstGeom prst="rect">
             <a:avLst/>
@@ -3168,14 +2621,14 @@
       </p:sp>
       <p:sp>
         <p:nvSpPr>
-          <p:cNvPr id="23" name="Text 20"/>
-          <p:cNvSpPr/>
-          <p:nvPr/>
-        </p:nvSpPr>
-        <p:spPr>
-          <a:xfrm>
-            <a:off x="914400" y="5029200"/>
-            <a:ext cx="10360152" cy="457200"/>
+          <p:cNvPr id="16" name="Text 13"/>
+          <p:cNvSpPr/>
+          <p:nvPr/>
+        </p:nvSpPr>
+        <p:spPr>
+          <a:xfrm>
+            <a:off x="457200" y="3749040"/>
+            <a:ext cx="8229600" cy="548640"/>
           </a:xfrm>
           <a:prstGeom prst="rect">
             <a:avLst/>
@@ -3191,7 +2644,7 @@
               <a:buNone/>
             </a:pPr>
             <a:r>
-              <a:rPr lang="en-US" sz="1600" b="1" dirty="0">
+              <a:rPr lang="en-US" sz="1200" b="1" dirty="0">
                 <a:solidFill>
                   <a:srgbClr val="FFFFFF"/>
                 </a:solidFill>
@@ -3199,48 +2652,9 @@
                 <a:ea typeface="Arial" pitchFamily="34" charset="-122"/>
                 <a:cs typeface="Arial" pitchFamily="34" charset="-120"/>
               </a:rPr>
-              <a:t>✓ RESULTADOS COMPROVADOS</a:t>
-            </a:r>
-            <a:endParaRPr lang="en-US" sz="1600" dirty="0"/>
-          </a:p>
-        </p:txBody>
-      </p:sp>
-      <p:sp>
-        <p:nvSpPr>
-          <p:cNvPr id="24" name="Text 21"/>
-          <p:cNvSpPr/>
-          <p:nvPr/>
-        </p:nvSpPr>
-        <p:spPr>
-          <a:xfrm>
-            <a:off x="1097280" y="5577840"/>
-            <a:ext cx="10058400" cy="548640"/>
-          </a:xfrm>
-          <a:prstGeom prst="rect">
-            <a:avLst/>
-          </a:prstGeom>
-          <a:noFill/>
-          <a:ln/>
-        </p:spPr>
-        <p:txBody>
-          <a:bodyPr wrap="square" rtlCol="0" anchor="ctr"/>
-          <a:lstStyle/>
-          <a:p>
-            <a:pPr algn="ctr" indent="0" marL="0">
-              <a:buNone/>
-            </a:pPr>
-            <a:r>
-              <a:rPr lang="en-US" sz="1400" dirty="0">
-                <a:solidFill>
-                  <a:srgbClr val="FFFFFF"/>
-                </a:solidFill>
-                <a:latin typeface="Arial" pitchFamily="34" charset="0"/>
-                <a:ea typeface="Arial" pitchFamily="34" charset="-122"/>
-                <a:cs typeface="Arial" pitchFamily="34" charset="-120"/>
-              </a:rPr>
-              <a:t>Melhora na concentração • Aumento na retenção • Mais resultados em menos tempo</a:t>
-            </a:r>
-            <a:endParaRPr lang="en-US" sz="1400" dirty="0"/>
+              <a:t>RESULTADOS: Melhora na concentração • Aumento na retenção • Mais resultados em menos tempo</a:t>
+            </a:r>
+            <a:endParaRPr lang="en-US" sz="1200" dirty="0"/>
           </a:p>
         </p:txBody>
       </p:sp>
@@ -3285,7 +2699,7 @@
         <p:spPr>
           <a:xfrm>
             <a:off x="0" y="0"/>
-            <a:ext cx="12188952" cy="1097280"/>
+            <a:ext cx="9144000" cy="914400"/>
           </a:xfrm>
           <a:prstGeom prst="rect">
             <a:avLst/>
@@ -3298,7 +2712,7 @@
       </p:sp>
       <p:pic>
         <p:nvPicPr>
-          <p:cNvPr id="3" name="Image 0" descr="/home/almirmeira/educa-com-talento-repo/cursos/foco-produtividade/certificado/logo-transparente.png">    </p:cNvPr>
+          <p:cNvPr id="3" name="Image 0" descr="preencoded.png">    </p:cNvPr>
           <p:cNvPicPr>
             <a:picLocks noChangeAspect="1"/>
           </p:cNvPicPr>
@@ -3312,8 +2726,8 @@
         </p:blipFill>
         <p:spPr>
           <a:xfrm>
-            <a:off x="274320" y="182880"/>
-            <a:ext cx="914400" cy="548640"/>
+            <a:off x="274320" y="137160"/>
+            <a:ext cx="914400" cy="457200"/>
           </a:xfrm>
           <a:prstGeom prst="rect">
             <a:avLst/>
@@ -3328,8 +2742,8 @@
         </p:nvSpPr>
         <p:spPr>
           <a:xfrm>
-            <a:off x="1828800" y="274320"/>
-            <a:ext cx="9144000" cy="548640"/>
+            <a:off x="1371600" y="228600"/>
+            <a:ext cx="7315200" cy="457200"/>
           </a:xfrm>
           <a:prstGeom prst="rect">
             <a:avLst/>
@@ -3345,7 +2759,7 @@
               <a:buNone/>
             </a:pPr>
             <a:r>
-              <a:rPr lang="en-US" sz="2800" b="1" dirty="0">
+              <a:rPr lang="en-US" sz="2200" b="1" dirty="0">
                 <a:solidFill>
                   <a:srgbClr val="FFFFFF"/>
                 </a:solidFill>
@@ -3355,7 +2769,7 @@
               </a:rPr>
               <a:t>Seu Propósito Pessoal</a:t>
             </a:r>
-            <a:endParaRPr lang="en-US" sz="2800" dirty="0"/>
+            <a:endParaRPr lang="en-US" sz="2200" dirty="0"/>
           </a:p>
         </p:txBody>
       </p:sp>
@@ -3368,7 +2782,7 @@
         <p:spPr>
           <a:xfrm>
             <a:off x="457200" y="1371600"/>
-            <a:ext cx="11274552" cy="914400"/>
+            <a:ext cx="8229600" cy="548640"/>
           </a:xfrm>
           <a:prstGeom prst="rect">
             <a:avLst/>
@@ -3384,17 +2798,17 @@
               <a:buNone/>
             </a:pPr>
             <a:r>
-              <a:rPr lang="en-US" sz="6000" dirty="0">
-                <a:solidFill>
-                  <a:srgbClr val="000000"/>
-                </a:solidFill>
-                <a:latin typeface="Arial" pitchFamily="34" charset="0"/>
-                <a:ea typeface="Arial" pitchFamily="34" charset="-122"/>
-                <a:cs typeface="Arial" pitchFamily="34" charset="-120"/>
-              </a:rPr>
-              <a:t>❓</a:t>
-            </a:r>
-            <a:endParaRPr lang="en-US" sz="6000" dirty="0"/>
+              <a:rPr lang="en-US" sz="2400" b="1" dirty="0">
+                <a:solidFill>
+                  <a:srgbClr val="FFFFFF"/>
+                </a:solidFill>
+                <a:latin typeface="Arial" pitchFamily="34" charset="0"/>
+                <a:ea typeface="Arial" pitchFamily="34" charset="-122"/>
+                <a:cs typeface="Arial" pitchFamily="34" charset="-120"/>
+              </a:rPr>
+              <a:t>Por que você está aqui?</a:t>
+            </a:r>
+            <a:endParaRPr lang="en-US" sz="2400" dirty="0"/>
           </a:p>
         </p:txBody>
       </p:sp>
@@ -3406,24 +2820,63 @@
         </p:nvSpPr>
         <p:spPr>
           <a:xfrm>
-            <a:off x="457200" y="2286000"/>
-            <a:ext cx="11274552" cy="548640"/>
-          </a:xfrm>
-          <a:prstGeom prst="rect">
-            <a:avLst/>
-          </a:prstGeom>
-          <a:noFill/>
-          <a:ln/>
-        </p:spPr>
-        <p:txBody>
-          <a:bodyPr wrap="square" rtlCol="0" anchor="ctr"/>
-          <a:lstStyle/>
-          <a:p>
-            <a:pPr algn="ctr" indent="0" marL="0">
-              <a:buNone/>
-            </a:pPr>
-            <a:r>
-              <a:rPr lang="en-US" sz="2800" b="1" dirty="0">
+            <a:off x="457200" y="2103120"/>
+            <a:ext cx="8229600" cy="365760"/>
+          </a:xfrm>
+          <a:prstGeom prst="rect">
+            <a:avLst/>
+          </a:prstGeom>
+          <a:noFill/>
+          <a:ln/>
+        </p:spPr>
+        <p:txBody>
+          <a:bodyPr wrap="square" rtlCol="0" anchor="ctr"/>
+          <a:lstStyle/>
+          <a:p>
+            <a:pPr indent="0" marL="0">
+              <a:buNone/>
+            </a:pPr>
+            <a:r>
+              <a:rPr lang="en-US" sz="1400" dirty="0">
+                <a:solidFill>
+                  <a:srgbClr val="888888"/>
+                </a:solidFill>
+                <a:latin typeface="Arial" pitchFamily="34" charset="0"/>
+                <a:ea typeface="Arial" pitchFamily="34" charset="-122"/>
+                <a:cs typeface="Arial" pitchFamily="34" charset="-120"/>
+              </a:rPr>
+              <a:t>Talvez você...</a:t>
+            </a:r>
+            <a:endParaRPr lang="en-US" sz="1400" dirty="0"/>
+          </a:p>
+        </p:txBody>
+      </p:sp>
+      <p:sp>
+        <p:nvSpPr>
+          <p:cNvPr id="7" name="Text 4"/>
+          <p:cNvSpPr/>
+          <p:nvPr/>
+        </p:nvSpPr>
+        <p:spPr>
+          <a:xfrm>
+            <a:off x="914400" y="2560320"/>
+            <a:ext cx="7315200" cy="365760"/>
+          </a:xfrm>
+          <a:prstGeom prst="rect">
+            <a:avLst/>
+          </a:prstGeom>
+          <a:noFill/>
+          <a:ln/>
+        </p:spPr>
+        <p:txBody>
+          <a:bodyPr wrap="square" rtlCol="0" anchor="ctr"/>
+          <a:lstStyle/>
+          <a:p>
+            <a:pPr indent="0" marL="0">
+              <a:buNone/>
+            </a:pPr>
+            <a:r>
+              <a:rPr lang="en-US" sz="1300" dirty="0">
                 <a:solidFill>
                   <a:srgbClr val="FFFFFF"/>
                 </a:solidFill>
@@ -3431,48 +2884,9 @@
                 <a:ea typeface="Arial" pitchFamily="34" charset="-122"/>
                 <a:cs typeface="Arial" pitchFamily="34" charset="-120"/>
               </a:rPr>
-              <a:t>Por que você está aqui?</a:t>
-            </a:r>
-            <a:endParaRPr lang="en-US" sz="2800" dirty="0"/>
-          </a:p>
-        </p:txBody>
-      </p:sp>
-      <p:sp>
-        <p:nvSpPr>
-          <p:cNvPr id="7" name="Text 4"/>
-          <p:cNvSpPr/>
-          <p:nvPr/>
-        </p:nvSpPr>
-        <p:spPr>
-          <a:xfrm>
-            <a:off x="457200" y="3017520"/>
-            <a:ext cx="11274552" cy="365760"/>
-          </a:xfrm>
-          <a:prstGeom prst="rect">
-            <a:avLst/>
-          </a:prstGeom>
-          <a:noFill/>
-          <a:ln/>
-        </p:spPr>
-        <p:txBody>
-          <a:bodyPr wrap="square" rtlCol="0" anchor="ctr"/>
-          <a:lstStyle/>
-          <a:p>
-            <a:pPr algn="ctr" indent="0" marL="0">
-              <a:buNone/>
-            </a:pPr>
-            <a:r>
-              <a:rPr lang="en-US" sz="1400" dirty="0">
-                <a:solidFill>
-                  <a:srgbClr val="888888"/>
-                </a:solidFill>
-                <a:latin typeface="Arial" pitchFamily="34" charset="0"/>
-                <a:ea typeface="Arial" pitchFamily="34" charset="-122"/>
-                <a:cs typeface="Arial" pitchFamily="34" charset="-120"/>
-              </a:rPr>
-              <a:t>Talvez você...</a:t>
-            </a:r>
-            <a:endParaRPr lang="en-US" sz="1400" dirty="0"/>
+              <a:t>• Está se preparando para um concurso</a:t>
+            </a:r>
+            <a:endParaRPr lang="en-US" sz="1300" dirty="0"/>
           </a:p>
         </p:txBody>
       </p:sp>
@@ -3484,8 +2898,8 @@
         </p:nvSpPr>
         <p:spPr>
           <a:xfrm>
-            <a:off x="2286000" y="3474720"/>
-            <a:ext cx="7616952" cy="457200"/>
+            <a:off x="914400" y="3017520"/>
+            <a:ext cx="7315200" cy="365760"/>
           </a:xfrm>
           <a:prstGeom prst="rect">
             <a:avLst/>
@@ -3501,7 +2915,7 @@
               <a:buNone/>
             </a:pPr>
             <a:r>
-              <a:rPr lang="en-US" sz="1400" dirty="0">
+              <a:rPr lang="en-US" sz="1300" dirty="0">
                 <a:solidFill>
                   <a:srgbClr val="FFFFFF"/>
                 </a:solidFill>
@@ -3509,9 +2923,9 @@
                 <a:ea typeface="Arial" pitchFamily="34" charset="-122"/>
                 <a:cs typeface="Arial" pitchFamily="34" charset="-120"/>
               </a:rPr>
-              <a:t>📖 Está se preparando para um concurso</a:t>
-            </a:r>
-            <a:endParaRPr lang="en-US" sz="1400" dirty="0"/>
+              <a:t>• Quer render mais na faculdade</a:t>
+            </a:r>
+            <a:endParaRPr lang="en-US" sz="1300" dirty="0"/>
           </a:p>
         </p:txBody>
       </p:sp>
@@ -3523,8 +2937,8 @@
         </p:nvSpPr>
         <p:spPr>
           <a:xfrm>
-            <a:off x="2286000" y="4023360"/>
-            <a:ext cx="7616952" cy="457200"/>
+            <a:off x="914400" y="3474720"/>
+            <a:ext cx="7315200" cy="365760"/>
           </a:xfrm>
           <a:prstGeom prst="rect">
             <a:avLst/>
@@ -3540,7 +2954,7 @@
               <a:buNone/>
             </a:pPr>
             <a:r>
-              <a:rPr lang="en-US" sz="1400" dirty="0">
+              <a:rPr lang="en-US" sz="1300" dirty="0">
                 <a:solidFill>
                   <a:srgbClr val="FFFFFF"/>
                 </a:solidFill>
@@ -3548,61 +2962,22 @@
                 <a:ea typeface="Arial" pitchFamily="34" charset="-122"/>
                 <a:cs typeface="Arial" pitchFamily="34" charset="-120"/>
               </a:rPr>
-              <a:t>🎓 Quer render mais na faculdade</a:t>
-            </a:r>
-            <a:endParaRPr lang="en-US" sz="1400" dirty="0"/>
-          </a:p>
-        </p:txBody>
-      </p:sp>
-      <p:sp>
-        <p:nvSpPr>
-          <p:cNvPr id="10" name="Text 7"/>
-          <p:cNvSpPr/>
-          <p:nvPr/>
-        </p:nvSpPr>
-        <p:spPr>
-          <a:xfrm>
-            <a:off x="2286000" y="4572000"/>
-            <a:ext cx="7616952" cy="457200"/>
-          </a:xfrm>
-          <a:prstGeom prst="rect">
-            <a:avLst/>
-          </a:prstGeom>
-          <a:noFill/>
-          <a:ln/>
-        </p:spPr>
-        <p:txBody>
-          <a:bodyPr wrap="square" rtlCol="0" anchor="ctr"/>
-          <a:lstStyle/>
-          <a:p>
-            <a:pPr indent="0" marL="0">
-              <a:buNone/>
-            </a:pPr>
-            <a:r>
-              <a:rPr lang="en-US" sz="1400" dirty="0">
-                <a:solidFill>
-                  <a:srgbClr val="FFFFFF"/>
-                </a:solidFill>
-                <a:latin typeface="Arial" pitchFamily="34" charset="0"/>
-                <a:ea typeface="Arial" pitchFamily="34" charset="-122"/>
-                <a:cs typeface="Arial" pitchFamily="34" charset="-120"/>
-              </a:rPr>
-              <a:t>⏰ Passa mais tempo procrastinando do que estudando</a:t>
-            </a:r>
-            <a:endParaRPr lang="en-US" sz="1400" dirty="0"/>
-          </a:p>
-        </p:txBody>
-      </p:sp>
-      <p:sp>
-        <p:nvSpPr>
-          <p:cNvPr id="11" name="Shape 8"/>
-          <p:cNvSpPr/>
-          <p:nvPr/>
-        </p:nvSpPr>
-        <p:spPr>
-          <a:xfrm>
-            <a:off x="914400" y="5029200"/>
-            <a:ext cx="10360152" cy="1371600"/>
+              <a:t>• Passa mais tempo procrastinando do que estudando</a:t>
+            </a:r>
+            <a:endParaRPr lang="en-US" sz="1300" dirty="0"/>
+          </a:p>
+        </p:txBody>
+      </p:sp>
+      <p:sp>
+        <p:nvSpPr>
+          <p:cNvPr id="10" name="Shape 7"/>
+          <p:cNvSpPr/>
+          <p:nvPr/>
+        </p:nvSpPr>
+        <p:spPr>
+          <a:xfrm>
+            <a:off x="457200" y="3931920"/>
+            <a:ext cx="8229600" cy="914400"/>
           </a:xfrm>
           <a:prstGeom prst="rect">
             <a:avLst/>
@@ -3615,14 +2990,53 @@
       </p:sp>
       <p:sp>
         <p:nvSpPr>
+          <p:cNvPr id="11" name="Text 8"/>
+          <p:cNvSpPr/>
+          <p:nvPr/>
+        </p:nvSpPr>
+        <p:spPr>
+          <a:xfrm>
+            <a:off x="457200" y="4023360"/>
+            <a:ext cx="8229600" cy="365760"/>
+          </a:xfrm>
+          <a:prstGeom prst="rect">
+            <a:avLst/>
+          </a:prstGeom>
+          <a:noFill/>
+          <a:ln/>
+        </p:spPr>
+        <p:txBody>
+          <a:bodyPr wrap="square" rtlCol="0" anchor="ctr"/>
+          <a:lstStyle/>
+          <a:p>
+            <a:pPr algn="ctr" indent="0" marL="0">
+              <a:buNone/>
+            </a:pPr>
+            <a:r>
+              <a:rPr lang="en-US" sz="1400" b="1" dirty="0">
+                <a:solidFill>
+                  <a:srgbClr val="FFFFFF"/>
+                </a:solidFill>
+                <a:latin typeface="Arial" pitchFamily="34" charset="0"/>
+                <a:ea typeface="Arial" pitchFamily="34" charset="-122"/>
+                <a:cs typeface="Arial" pitchFamily="34" charset="-120"/>
+              </a:rPr>
+              <a:t>QUAL É O SEU VERDADEIRO "PORQUÊ"?</a:t>
+            </a:r>
+            <a:endParaRPr lang="en-US" sz="1400" dirty="0"/>
+          </a:p>
+        </p:txBody>
+      </p:sp>
+      <p:sp>
+        <p:nvSpPr>
           <p:cNvPr id="12" name="Text 9"/>
           <p:cNvSpPr/>
           <p:nvPr/>
         </p:nvSpPr>
         <p:spPr>
           <a:xfrm>
-            <a:off x="914400" y="5120640"/>
-            <a:ext cx="10360152" cy="457200"/>
+            <a:off x="457200" y="4389120"/>
+            <a:ext cx="8229600" cy="365760"/>
           </a:xfrm>
           <a:prstGeom prst="rect">
             <a:avLst/>
@@ -3638,7 +3052,7 @@
               <a:buNone/>
             </a:pPr>
             <a:r>
-              <a:rPr lang="en-US" sz="1600" b="1" dirty="0">
+              <a:rPr lang="en-US" sz="1100" dirty="0">
                 <a:solidFill>
                   <a:srgbClr val="FFFFFF"/>
                 </a:solidFill>
@@ -3646,65 +3060,9 @@
                 <a:ea typeface="Arial" pitchFamily="34" charset="-122"/>
                 <a:cs typeface="Arial" pitchFamily="34" charset="-120"/>
               </a:rPr>
-              <a:t>🔥 QUAL É O SEU VERDADEIRO "PORQUÊ"?</a:t>
-            </a:r>
-            <a:endParaRPr lang="en-US" sz="1600" dirty="0"/>
-          </a:p>
-        </p:txBody>
-      </p:sp>
-      <p:sp>
-        <p:nvSpPr>
-          <p:cNvPr id="13" name="Text 10"/>
-          <p:cNvSpPr/>
-          <p:nvPr/>
-        </p:nvSpPr>
-        <p:spPr>
-          <a:xfrm>
-            <a:off x="1097280" y="5577840"/>
-            <a:ext cx="10058400" cy="731520"/>
-          </a:xfrm>
-          <a:prstGeom prst="rect">
-            <a:avLst/>
-          </a:prstGeom>
-          <a:noFill/>
-          <a:ln/>
-        </p:spPr>
-        <p:txBody>
-          <a:bodyPr wrap="square" rtlCol="0" anchor="ctr"/>
-          <a:lstStyle/>
-          <a:p>
-            <a:pPr algn="ctr" indent="0" marL="0">
-              <a:buNone/>
-            </a:pPr>
-            <a:r>
-              <a:rPr lang="en-US" sz="1200" dirty="0">
-                <a:solidFill>
-                  <a:srgbClr val="FFFFFF"/>
-                </a:solidFill>
-                <a:latin typeface="Arial" pitchFamily="34" charset="0"/>
-                <a:ea typeface="Arial" pitchFamily="34" charset="-122"/>
-                <a:cs typeface="Arial" pitchFamily="34" charset="-120"/>
-              </a:rPr>
-              <a:t>Esse "porquê" profundo vai ser seu combustível nos momentos difíceis.</a:t>
-            </a:r>
-            <a:endParaRPr lang="en-US" sz="1200" dirty="0"/>
-          </a:p>
-          <a:p>
-            <a:pPr algn="ctr" indent="0" marL="0">
-              <a:buNone/>
-            </a:pPr>
-            <a:r>
-              <a:rPr lang="en-US" sz="1200" dirty="0">
-                <a:solidFill>
-                  <a:srgbClr val="FFFFFF"/>
-                </a:solidFill>
-                <a:latin typeface="Arial" pitchFamily="34" charset="0"/>
-                <a:ea typeface="Arial" pitchFamily="34" charset="-122"/>
-                <a:cs typeface="Arial" pitchFamily="34" charset="-120"/>
-              </a:rPr>
-              <a:t>Quando você tem clareza do seu propósito, atravessar obstáculos se torna possível.</a:t>
-            </a:r>
-            <a:endParaRPr lang="en-US" sz="1200" dirty="0"/>
+              <a:t>Esse "porquê" vai ser seu combustível nos momentos difíceis.</a:t>
+            </a:r>
+            <a:endParaRPr lang="en-US" sz="1100" dirty="0"/>
           </a:p>
         </p:txBody>
       </p:sp>
@@ -3749,7 +3107,7 @@
         <p:spPr>
           <a:xfrm>
             <a:off x="0" y="0"/>
-            <a:ext cx="12188952" cy="1097280"/>
+            <a:ext cx="9144000" cy="914400"/>
           </a:xfrm>
           <a:prstGeom prst="rect">
             <a:avLst/>
@@ -3762,7 +3120,7 @@
       </p:sp>
       <p:pic>
         <p:nvPicPr>
-          <p:cNvPr id="3" name="Image 0" descr="/home/almirmeira/educa-com-talento-repo/cursos/foco-produtividade/certificado/logo-transparente.png">    </p:cNvPr>
+          <p:cNvPr id="3" name="Image 0" descr="preencoded.png">    </p:cNvPr>
           <p:cNvPicPr>
             <a:picLocks noChangeAspect="1"/>
           </p:cNvPicPr>
@@ -3776,8 +3134,8 @@
         </p:blipFill>
         <p:spPr>
           <a:xfrm>
-            <a:off x="274320" y="182880"/>
-            <a:ext cx="914400" cy="548640"/>
+            <a:off x="274320" y="137160"/>
+            <a:ext cx="914400" cy="457200"/>
           </a:xfrm>
           <a:prstGeom prst="rect">
             <a:avLst/>
@@ -3792,8 +3150,8 @@
         </p:nvSpPr>
         <p:spPr>
           <a:xfrm>
-            <a:off x="1828800" y="274320"/>
-            <a:ext cx="9144000" cy="548640"/>
+            <a:off x="1371600" y="228600"/>
+            <a:ext cx="7315200" cy="457200"/>
           </a:xfrm>
           <a:prstGeom prst="rect">
             <a:avLst/>
@@ -3809,7 +3167,7 @@
               <a:buNone/>
             </a:pPr>
             <a:r>
-              <a:rPr lang="en-US" sz="2800" b="1" dirty="0">
+              <a:rPr lang="en-US" sz="2200" b="1" dirty="0">
                 <a:solidFill>
                   <a:srgbClr val="FFFFFF"/>
                 </a:solidFill>
@@ -3819,7 +3177,7 @@
               </a:rPr>
               <a:t>O Caminho que Vamos Percorrer</a:t>
             </a:r>
-            <a:endParaRPr lang="en-US" sz="2800" dirty="0"/>
+            <a:endParaRPr lang="en-US" sz="2200" dirty="0"/>
           </a:p>
         </p:txBody>
       </p:sp>
@@ -3831,8 +3189,8 @@
         </p:nvSpPr>
         <p:spPr>
           <a:xfrm>
-            <a:off x="457200" y="1371600"/>
-            <a:ext cx="11274552" cy="457200"/>
+            <a:off x="457200" y="1097280"/>
+            <a:ext cx="8229600" cy="457200"/>
           </a:xfrm>
           <a:prstGeom prst="rect">
             <a:avLst/>
@@ -3848,7 +3206,7 @@
               <a:buNone/>
             </a:pPr>
             <a:r>
-              <a:rPr lang="en-US" sz="2000" b="1" dirty="0">
+              <a:rPr lang="en-US" sz="1800" b="1" dirty="0">
                 <a:solidFill>
                   <a:srgbClr val="22C55E"/>
                 </a:solidFill>
@@ -3858,7 +3216,7 @@
               </a:rPr>
               <a:t>30 AULAS • 2 MÓDULOS</a:t>
             </a:r>
-            <a:endParaRPr lang="en-US" sz="2000" dirty="0"/>
+            <a:endParaRPr lang="en-US" sz="1800" dirty="0"/>
           </a:p>
         </p:txBody>
       </p:sp>
@@ -3870,8 +3228,8 @@
         </p:nvSpPr>
         <p:spPr>
           <a:xfrm>
-            <a:off x="457200" y="2011680"/>
-            <a:ext cx="5486400" cy="2743200"/>
+            <a:off x="457200" y="1737360"/>
+            <a:ext cx="3931920" cy="2103120"/>
           </a:xfrm>
           <a:prstGeom prst="rect">
             <a:avLst/>
@@ -3895,8 +3253,47 @@
         </p:nvSpPr>
         <p:spPr>
           <a:xfrm>
+            <a:off x="457200" y="1828800"/>
+            <a:ext cx="3931920" cy="365760"/>
+          </a:xfrm>
+          <a:prstGeom prst="rect">
+            <a:avLst/>
+          </a:prstGeom>
+          <a:noFill/>
+          <a:ln/>
+        </p:spPr>
+        <p:txBody>
+          <a:bodyPr wrap="square" rtlCol="0" anchor="ctr"/>
+          <a:lstStyle/>
+          <a:p>
+            <a:pPr algn="ctr" indent="0" marL="0">
+              <a:buNone/>
+            </a:pPr>
+            <a:r>
+              <a:rPr lang="en-US" sz="1200" b="1" dirty="0">
+                <a:solidFill>
+                  <a:srgbClr val="667EEA"/>
+                </a:solidFill>
+                <a:latin typeface="Arial" pitchFamily="34" charset="0"/>
+                <a:ea typeface="Arial" pitchFamily="34" charset="-122"/>
+                <a:cs typeface="Arial" pitchFamily="34" charset="-120"/>
+              </a:rPr>
+              <a:t>MÓDULO 1</a:t>
+            </a:r>
+            <a:endParaRPr lang="en-US" sz="1200" dirty="0"/>
+          </a:p>
+        </p:txBody>
+      </p:sp>
+      <p:sp>
+        <p:nvSpPr>
+          <p:cNvPr id="8" name="Text 5"/>
+          <p:cNvSpPr/>
+          <p:nvPr/>
+        </p:nvSpPr>
+        <p:spPr>
+          <a:xfrm>
             <a:off x="457200" y="2194560"/>
-            <a:ext cx="5486400" cy="457200"/>
+            <a:ext cx="3931920" cy="731520"/>
           </a:xfrm>
           <a:prstGeom prst="rect">
             <a:avLst/>
@@ -3914,44 +3311,22 @@
             <a:r>
               <a:rPr lang="en-US" sz="1400" b="1" dirty="0">
                 <a:solidFill>
-                  <a:srgbClr val="667EEA"/>
-                </a:solidFill>
-                <a:latin typeface="Arial" pitchFamily="34" charset="0"/>
-                <a:ea typeface="Arial" pitchFamily="34" charset="-122"/>
-                <a:cs typeface="Arial" pitchFamily="34" charset="-120"/>
-              </a:rPr>
-              <a:t>MÓDULO 1</a:t>
+                  <a:srgbClr val="FFFFFF"/>
+                </a:solidFill>
+                <a:latin typeface="Arial" pitchFamily="34" charset="0"/>
+                <a:ea typeface="Arial" pitchFamily="34" charset="-122"/>
+                <a:cs typeface="Arial" pitchFamily="34" charset="-120"/>
+              </a:rPr>
+              <a:t>Hiperfoco e</a:t>
             </a:r>
             <a:endParaRPr lang="en-US" sz="1400" dirty="0"/>
           </a:p>
-        </p:txBody>
-      </p:sp>
-      <p:sp>
-        <p:nvSpPr>
-          <p:cNvPr id="8" name="Text 5"/>
-          <p:cNvSpPr/>
-          <p:nvPr/>
-        </p:nvSpPr>
-        <p:spPr>
-          <a:xfrm>
-            <a:off x="457200" y="2651760"/>
-            <a:ext cx="5486400" cy="822960"/>
-          </a:xfrm>
-          <a:prstGeom prst="rect">
-            <a:avLst/>
-          </a:prstGeom>
-          <a:noFill/>
-          <a:ln/>
-        </p:spPr>
-        <p:txBody>
-          <a:bodyPr wrap="square" rtlCol="0" anchor="ctr"/>
-          <a:lstStyle/>
           <a:p>
             <a:pPr algn="ctr" indent="0" marL="0">
               <a:buNone/>
             </a:pPr>
             <a:r>
-              <a:rPr lang="en-US" sz="1800" b="1" dirty="0">
+              <a:rPr lang="en-US" sz="1400" b="1" dirty="0">
                 <a:solidFill>
                   <a:srgbClr val="FFFFFF"/>
                 </a:solidFill>
@@ -3959,93 +3334,54 @@
                 <a:ea typeface="Arial" pitchFamily="34" charset="-122"/>
                 <a:cs typeface="Arial" pitchFamily="34" charset="-120"/>
               </a:rPr>
-              <a:t>Hiperfoco e</a:t>
-            </a:r>
-            <a:endParaRPr lang="en-US" sz="1800" dirty="0"/>
-          </a:p>
+              <a:t>Hiperprodutividade</a:t>
+            </a:r>
+            <a:endParaRPr lang="en-US" sz="1400" dirty="0"/>
+          </a:p>
+        </p:txBody>
+      </p:sp>
+      <p:sp>
+        <p:nvSpPr>
+          <p:cNvPr id="9" name="Text 6"/>
+          <p:cNvSpPr/>
+          <p:nvPr/>
+        </p:nvSpPr>
+        <p:spPr>
+          <a:xfrm>
+            <a:off x="548640" y="3017520"/>
+            <a:ext cx="3749040" cy="731520"/>
+          </a:xfrm>
+          <a:prstGeom prst="rect">
+            <a:avLst/>
+          </a:prstGeom>
+          <a:noFill/>
+          <a:ln/>
+        </p:spPr>
+        <p:txBody>
+          <a:bodyPr wrap="square" rtlCol="0" anchor="ctr"/>
+          <a:lstStyle/>
           <a:p>
             <a:pPr algn="ctr" indent="0" marL="0">
               <a:buNone/>
             </a:pPr>
             <a:r>
-              <a:rPr lang="en-US" sz="1800" b="1" dirty="0">
-                <a:solidFill>
-                  <a:srgbClr val="FFFFFF"/>
-                </a:solidFill>
-                <a:latin typeface="Arial" pitchFamily="34" charset="0"/>
-                <a:ea typeface="Arial" pitchFamily="34" charset="-122"/>
-                <a:cs typeface="Arial" pitchFamily="34" charset="-120"/>
-              </a:rPr>
-              <a:t>Hiperprodutividade</a:t>
-            </a:r>
-            <a:endParaRPr lang="en-US" sz="1800" dirty="0"/>
-          </a:p>
-        </p:txBody>
-      </p:sp>
-      <p:sp>
-        <p:nvSpPr>
-          <p:cNvPr id="9" name="Text 6"/>
-          <p:cNvSpPr/>
-          <p:nvPr/>
-        </p:nvSpPr>
-        <p:spPr>
-          <a:xfrm>
-            <a:off x="457200" y="3474720"/>
-            <a:ext cx="5486400" cy="548640"/>
-          </a:xfrm>
-          <a:prstGeom prst="rect">
-            <a:avLst/>
-          </a:prstGeom>
-          <a:noFill/>
-          <a:ln/>
-        </p:spPr>
-        <p:txBody>
-          <a:bodyPr wrap="square" rtlCol="0" anchor="ctr"/>
-          <a:lstStyle/>
+              <a:rPr lang="en-US" sz="1000" dirty="0">
+                <a:solidFill>
+                  <a:srgbClr val="888888"/>
+                </a:solidFill>
+                <a:latin typeface="Arial" pitchFamily="34" charset="0"/>
+                <a:ea typeface="Arial" pitchFamily="34" charset="-122"/>
+                <a:cs typeface="Arial" pitchFamily="34" charset="-120"/>
+              </a:rPr>
+              <a:t>Estados de concentração profunda</a:t>
+            </a:r>
+            <a:endParaRPr lang="en-US" sz="1000" dirty="0"/>
+          </a:p>
           <a:p>
             <a:pPr algn="ctr" indent="0" marL="0">
               <a:buNone/>
             </a:pPr>
             <a:r>
-              <a:rPr lang="en-US" sz="3600" dirty="0">
-                <a:solidFill>
-                  <a:srgbClr val="000000"/>
-                </a:solidFill>
-                <a:latin typeface="Arial" pitchFamily="34" charset="0"/>
-                <a:ea typeface="Arial" pitchFamily="34" charset="-122"/>
-                <a:cs typeface="Arial" pitchFamily="34" charset="-120"/>
-              </a:rPr>
-              <a:t>🎯</a:t>
-            </a:r>
-            <a:endParaRPr lang="en-US" sz="3600" dirty="0"/>
-          </a:p>
-        </p:txBody>
-      </p:sp>
-      <p:sp>
-        <p:nvSpPr>
-          <p:cNvPr id="10" name="Text 7"/>
-          <p:cNvSpPr/>
-          <p:nvPr/>
-        </p:nvSpPr>
-        <p:spPr>
-          <a:xfrm>
-            <a:off x="640080" y="4023360"/>
-            <a:ext cx="5120640" cy="731520"/>
-          </a:xfrm>
-          <a:prstGeom prst="rect">
-            <a:avLst/>
-          </a:prstGeom>
-          <a:noFill/>
-          <a:ln/>
-        </p:spPr>
-        <p:txBody>
-          <a:bodyPr wrap="square" rtlCol="0" anchor="ctr"/>
-          <a:lstStyle/>
-          <a:p>
-            <a:pPr indent="0" marL="0">
-              <a:buNone/>
-            </a:pPr>
-            <a:r>
               <a:rPr lang="en-US" sz="1000" dirty="0">
                 <a:solidFill>
                   <a:srgbClr val="888888"/>
@@ -4054,12 +3390,12 @@
                 <a:ea typeface="Arial" pitchFamily="34" charset="-122"/>
                 <a:cs typeface="Arial" pitchFamily="34" charset="-120"/>
               </a:rPr>
-              <a:t>• Estados de concentração profunda</a:t>
+              <a:t>Eliminar distrações</a:t>
             </a:r>
             <a:endParaRPr lang="en-US" sz="1000" dirty="0"/>
           </a:p>
           <a:p>
-            <a:pPr indent="0" marL="0">
+            <a:pPr algn="ctr" indent="0" marL="0">
               <a:buNone/>
             </a:pPr>
             <a:r>
@@ -4071,56 +3407,22 @@
                 <a:ea typeface="Arial" pitchFamily="34" charset="-122"/>
                 <a:cs typeface="Arial" pitchFamily="34" charset="-120"/>
               </a:rPr>
-              <a:t>• Eliminar distrações</a:t>
+              <a:t>Rituais de foco</a:t>
             </a:r>
             <a:endParaRPr lang="en-US" sz="1000" dirty="0"/>
           </a:p>
-          <a:p>
-            <a:pPr indent="0" marL="0">
-              <a:buNone/>
-            </a:pPr>
-            <a:r>
-              <a:rPr lang="en-US" sz="1000" dirty="0">
-                <a:solidFill>
-                  <a:srgbClr val="888888"/>
-                </a:solidFill>
-                <a:latin typeface="Arial" pitchFamily="34" charset="0"/>
-                <a:ea typeface="Arial" pitchFamily="34" charset="-122"/>
-                <a:cs typeface="Arial" pitchFamily="34" charset="-120"/>
-              </a:rPr>
-              <a:t>• Rituais de foco</a:t>
-            </a:r>
-            <a:endParaRPr lang="en-US" sz="1000" dirty="0"/>
-          </a:p>
-          <a:p>
-            <a:pPr indent="0" marL="0">
-              <a:buNone/>
-            </a:pPr>
-            <a:r>
-              <a:rPr lang="en-US" sz="1000" dirty="0">
-                <a:solidFill>
-                  <a:srgbClr val="888888"/>
-                </a:solidFill>
-                <a:latin typeface="Arial" pitchFamily="34" charset="0"/>
-                <a:ea typeface="Arial" pitchFamily="34" charset="-122"/>
-                <a:cs typeface="Arial" pitchFamily="34" charset="-120"/>
-              </a:rPr>
-              <a:t>• Maximizar tempo de estudo</a:t>
-            </a:r>
-            <a:endParaRPr lang="en-US" sz="1000" dirty="0"/>
-          </a:p>
-        </p:txBody>
-      </p:sp>
-      <p:sp>
-        <p:nvSpPr>
-          <p:cNvPr id="11" name="Shape 8"/>
-          <p:cNvSpPr/>
-          <p:nvPr/>
-        </p:nvSpPr>
-        <p:spPr>
-          <a:xfrm>
-            <a:off x="6217920" y="2011680"/>
-            <a:ext cx="5486400" cy="2743200"/>
+        </p:txBody>
+      </p:sp>
+      <p:sp>
+        <p:nvSpPr>
+          <p:cNvPr id="10" name="Shape 7"/>
+          <p:cNvSpPr/>
+          <p:nvPr/>
+        </p:nvSpPr>
+        <p:spPr>
+          <a:xfrm>
+            <a:off x="4754880" y="1737360"/>
+            <a:ext cx="3931920" cy="2103120"/>
           </a:xfrm>
           <a:prstGeom prst="rect">
             <a:avLst/>
@@ -4138,14 +3440,53 @@
       </p:sp>
       <p:sp>
         <p:nvSpPr>
+          <p:cNvPr id="11" name="Text 8"/>
+          <p:cNvSpPr/>
+          <p:nvPr/>
+        </p:nvSpPr>
+        <p:spPr>
+          <a:xfrm>
+            <a:off x="4754880" y="1828800"/>
+            <a:ext cx="3931920" cy="365760"/>
+          </a:xfrm>
+          <a:prstGeom prst="rect">
+            <a:avLst/>
+          </a:prstGeom>
+          <a:noFill/>
+          <a:ln/>
+        </p:spPr>
+        <p:txBody>
+          <a:bodyPr wrap="square" rtlCol="0" anchor="ctr"/>
+          <a:lstStyle/>
+          <a:p>
+            <a:pPr algn="ctr" indent="0" marL="0">
+              <a:buNone/>
+            </a:pPr>
+            <a:r>
+              <a:rPr lang="en-US" sz="1200" b="1" dirty="0">
+                <a:solidFill>
+                  <a:srgbClr val="22C55E"/>
+                </a:solidFill>
+                <a:latin typeface="Arial" pitchFamily="34" charset="0"/>
+                <a:ea typeface="Arial" pitchFamily="34" charset="-122"/>
+                <a:cs typeface="Arial" pitchFamily="34" charset="-120"/>
+              </a:rPr>
+              <a:t>MÓDULO 2</a:t>
+            </a:r>
+            <a:endParaRPr lang="en-US" sz="1200" dirty="0"/>
+          </a:p>
+        </p:txBody>
+      </p:sp>
+      <p:sp>
+        <p:nvSpPr>
           <p:cNvPr id="12" name="Text 9"/>
           <p:cNvSpPr/>
           <p:nvPr/>
         </p:nvSpPr>
         <p:spPr>
           <a:xfrm>
-            <a:off x="6217920" y="2194560"/>
-            <a:ext cx="5486400" cy="457200"/>
+            <a:off x="4754880" y="2194560"/>
+            <a:ext cx="3931920" cy="731520"/>
           </a:xfrm>
           <a:prstGeom prst="rect">
             <a:avLst/>
@@ -4163,16 +3504,33 @@
             <a:r>
               <a:rPr lang="en-US" sz="1400" b="1" dirty="0">
                 <a:solidFill>
-                  <a:srgbClr val="22C55E"/>
-                </a:solidFill>
-                <a:latin typeface="Arial" pitchFamily="34" charset="0"/>
-                <a:ea typeface="Arial" pitchFamily="34" charset="-122"/>
-                <a:cs typeface="Arial" pitchFamily="34" charset="-120"/>
-              </a:rPr>
-              <a:t>MÓDULO 2</a:t>
+                  <a:srgbClr val="FFFFFF"/>
+                </a:solidFill>
+                <a:latin typeface="Arial" pitchFamily="34" charset="0"/>
+                <a:ea typeface="Arial" pitchFamily="34" charset="-122"/>
+                <a:cs typeface="Arial" pitchFamily="34" charset="-120"/>
+              </a:rPr>
+              <a:t>Foco Disperso e</a:t>
             </a:r>
             <a:endParaRPr lang="en-US" sz="1400" dirty="0"/>
           </a:p>
+          <a:p>
+            <a:pPr algn="ctr" indent="0" marL="0">
+              <a:buNone/>
+            </a:pPr>
+            <a:r>
+              <a:rPr lang="en-US" sz="1400" b="1" dirty="0">
+                <a:solidFill>
+                  <a:srgbClr val="FFFFFF"/>
+                </a:solidFill>
+                <a:latin typeface="Arial" pitchFamily="34" charset="0"/>
+                <a:ea typeface="Arial" pitchFamily="34" charset="-122"/>
+                <a:cs typeface="Arial" pitchFamily="34" charset="-120"/>
+              </a:rPr>
+              <a:t>Maestria</a:t>
+            </a:r>
+            <a:endParaRPr lang="en-US" sz="1400" dirty="0"/>
+          </a:p>
         </p:txBody>
       </p:sp>
       <p:sp>
@@ -4183,8 +3541,8 @@
         </p:nvSpPr>
         <p:spPr>
           <a:xfrm>
-            <a:off x="6217920" y="2651760"/>
-            <a:ext cx="5486400" cy="822960"/>
+            <a:off x="4846320" y="3017520"/>
+            <a:ext cx="3749040" cy="731520"/>
           </a:xfrm>
           <a:prstGeom prst="rect">
             <a:avLst/>
@@ -4200,101 +3558,40 @@
               <a:buNone/>
             </a:pPr>
             <a:r>
-              <a:rPr lang="en-US" sz="1800" b="1" dirty="0">
-                <a:solidFill>
-                  <a:srgbClr val="FFFFFF"/>
-                </a:solidFill>
-                <a:latin typeface="Arial" pitchFamily="34" charset="0"/>
-                <a:ea typeface="Arial" pitchFamily="34" charset="-122"/>
-                <a:cs typeface="Arial" pitchFamily="34" charset="-120"/>
-              </a:rPr>
-              <a:t>Foco Disperso e</a:t>
-            </a:r>
-            <a:endParaRPr lang="en-US" sz="1800" dirty="0"/>
+              <a:rPr lang="en-US" sz="1000" dirty="0">
+                <a:solidFill>
+                  <a:srgbClr val="888888"/>
+                </a:solidFill>
+                <a:latin typeface="Arial" pitchFamily="34" charset="0"/>
+                <a:ea typeface="Arial" pitchFamily="34" charset="-122"/>
+                <a:cs typeface="Arial" pitchFamily="34" charset="-120"/>
+              </a:rPr>
+              <a:t>Pensamento relaxado</a:t>
+            </a:r>
+            <a:endParaRPr lang="en-US" sz="1000" dirty="0"/>
           </a:p>
           <a:p>
             <a:pPr algn="ctr" indent="0" marL="0">
               <a:buNone/>
             </a:pPr>
             <a:r>
-              <a:rPr lang="en-US" sz="1800" b="1" dirty="0">
-                <a:solidFill>
-                  <a:srgbClr val="FFFFFF"/>
-                </a:solidFill>
-                <a:latin typeface="Arial" pitchFamily="34" charset="0"/>
-                <a:ea typeface="Arial" pitchFamily="34" charset="-122"/>
-                <a:cs typeface="Arial" pitchFamily="34" charset="-120"/>
-              </a:rPr>
-              <a:t>Maestria</a:t>
-            </a:r>
-            <a:endParaRPr lang="en-US" sz="1800" dirty="0"/>
-          </a:p>
-        </p:txBody>
-      </p:sp>
-      <p:sp>
-        <p:nvSpPr>
-          <p:cNvPr id="14" name="Text 11"/>
-          <p:cNvSpPr/>
-          <p:nvPr/>
-        </p:nvSpPr>
-        <p:spPr>
-          <a:xfrm>
-            <a:off x="6217920" y="3474720"/>
-            <a:ext cx="5486400" cy="548640"/>
-          </a:xfrm>
-          <a:prstGeom prst="rect">
-            <a:avLst/>
-          </a:prstGeom>
-          <a:noFill/>
-          <a:ln/>
-        </p:spPr>
-        <p:txBody>
-          <a:bodyPr wrap="square" rtlCol="0" anchor="ctr"/>
-          <a:lstStyle/>
+              <a:rPr lang="en-US" sz="1000" dirty="0">
+                <a:solidFill>
+                  <a:srgbClr val="888888"/>
+                </a:solidFill>
+                <a:latin typeface="Arial" pitchFamily="34" charset="0"/>
+                <a:ea typeface="Arial" pitchFamily="34" charset="-122"/>
+                <a:cs typeface="Arial" pitchFamily="34" charset="-120"/>
+              </a:rPr>
+              <a:t>Criatividade e insights</a:t>
+            </a:r>
+            <a:endParaRPr lang="en-US" sz="1000" dirty="0"/>
+          </a:p>
           <a:p>
             <a:pPr algn="ctr" indent="0" marL="0">
               <a:buNone/>
             </a:pPr>
             <a:r>
-              <a:rPr lang="en-US" sz="3600" dirty="0">
-                <a:solidFill>
-                  <a:srgbClr val="000000"/>
-                </a:solidFill>
-                <a:latin typeface="Arial" pitchFamily="34" charset="0"/>
-                <a:ea typeface="Arial" pitchFamily="34" charset="-122"/>
-                <a:cs typeface="Arial" pitchFamily="34" charset="-120"/>
-              </a:rPr>
-              <a:t>💡</a:t>
-            </a:r>
-            <a:endParaRPr lang="en-US" sz="3600" dirty="0"/>
-          </a:p>
-        </p:txBody>
-      </p:sp>
-      <p:sp>
-        <p:nvSpPr>
-          <p:cNvPr id="15" name="Text 12"/>
-          <p:cNvSpPr/>
-          <p:nvPr/>
-        </p:nvSpPr>
-        <p:spPr>
-          <a:xfrm>
-            <a:off x="6400800" y="4023360"/>
-            <a:ext cx="5120640" cy="731520"/>
-          </a:xfrm>
-          <a:prstGeom prst="rect">
-            <a:avLst/>
-          </a:prstGeom>
-          <a:noFill/>
-          <a:ln/>
-        </p:spPr>
-        <p:txBody>
-          <a:bodyPr wrap="square" rtlCol="0" anchor="ctr"/>
-          <a:lstStyle/>
-          <a:p>
-            <a:pPr indent="0" marL="0">
-              <a:buNone/>
-            </a:pPr>
-            <a:r>
               <a:rPr lang="en-US" sz="1000" dirty="0">
                 <a:solidFill>
                   <a:srgbClr val="888888"/>
@@ -4303,73 +3600,22 @@
                 <a:ea typeface="Arial" pitchFamily="34" charset="-122"/>
                 <a:cs typeface="Arial" pitchFamily="34" charset="-120"/>
               </a:rPr>
-              <a:t>• Modo de pensamento relaxado</a:t>
+              <a:t>Consolidação da memória</a:t>
             </a:r>
             <a:endParaRPr lang="en-US" sz="1000" dirty="0"/>
           </a:p>
-          <a:p>
-            <a:pPr indent="0" marL="0">
-              <a:buNone/>
-            </a:pPr>
-            <a:r>
-              <a:rPr lang="en-US" sz="1000" dirty="0">
-                <a:solidFill>
-                  <a:srgbClr val="888888"/>
-                </a:solidFill>
-                <a:latin typeface="Arial" pitchFamily="34" charset="0"/>
-                <a:ea typeface="Arial" pitchFamily="34" charset="-122"/>
-                <a:cs typeface="Arial" pitchFamily="34" charset="-120"/>
-              </a:rPr>
-              <a:t>• Criatividade e insights</a:t>
-            </a:r>
-            <a:endParaRPr lang="en-US" sz="1000" dirty="0"/>
-          </a:p>
-          <a:p>
-            <a:pPr indent="0" marL="0">
-              <a:buNone/>
-            </a:pPr>
-            <a:r>
-              <a:rPr lang="en-US" sz="1000" dirty="0">
-                <a:solidFill>
-                  <a:srgbClr val="888888"/>
-                </a:solidFill>
-                <a:latin typeface="Arial" pitchFamily="34" charset="0"/>
-                <a:ea typeface="Arial" pitchFamily="34" charset="-122"/>
-                <a:cs typeface="Arial" pitchFamily="34" charset="-120"/>
-              </a:rPr>
-              <a:t>• Consolidação da memória</a:t>
-            </a:r>
-            <a:endParaRPr lang="en-US" sz="1000" dirty="0"/>
-          </a:p>
-          <a:p>
-            <a:pPr indent="0" marL="0">
-              <a:buNone/>
-            </a:pPr>
-            <a:r>
-              <a:rPr lang="en-US" sz="1000" dirty="0">
-                <a:solidFill>
-                  <a:srgbClr val="888888"/>
-                </a:solidFill>
-                <a:latin typeface="Arial" pitchFamily="34" charset="0"/>
-                <a:ea typeface="Arial" pitchFamily="34" charset="-122"/>
-                <a:cs typeface="Arial" pitchFamily="34" charset="-120"/>
-              </a:rPr>
-              <a:t>• Alternar entre modos</a:t>
-            </a:r>
-            <a:endParaRPr lang="en-US" sz="1000" dirty="0"/>
-          </a:p>
-        </p:txBody>
-      </p:sp>
-      <p:sp>
-        <p:nvSpPr>
-          <p:cNvPr id="16" name="Shape 13"/>
-          <p:cNvSpPr/>
-          <p:nvPr/>
-        </p:nvSpPr>
-        <p:spPr>
-          <a:xfrm>
-            <a:off x="1371600" y="5029200"/>
-            <a:ext cx="9445752" cy="1188720"/>
+        </p:txBody>
+      </p:sp>
+      <p:sp>
+        <p:nvSpPr>
+          <p:cNvPr id="14" name="Shape 11"/>
+          <p:cNvSpPr/>
+          <p:nvPr/>
+        </p:nvSpPr>
+        <p:spPr>
+          <a:xfrm>
+            <a:off x="914400" y="4114800"/>
+            <a:ext cx="7315200" cy="731520"/>
           </a:xfrm>
           <a:prstGeom prst="rect">
             <a:avLst/>
@@ -4382,14 +3628,14 @@
       </p:sp>
       <p:sp>
         <p:nvSpPr>
-          <p:cNvPr id="17" name="Text 14"/>
-          <p:cNvSpPr/>
-          <p:nvPr/>
-        </p:nvSpPr>
-        <p:spPr>
-          <a:xfrm>
-            <a:off x="1371600" y="5120640"/>
-            <a:ext cx="9445752" cy="457200"/>
+          <p:cNvPr id="15" name="Text 12"/>
+          <p:cNvSpPr/>
+          <p:nvPr/>
+        </p:nvSpPr>
+        <p:spPr>
+          <a:xfrm>
+            <a:off x="914400" y="4206240"/>
+            <a:ext cx="7315200" cy="548640"/>
           </a:xfrm>
           <a:prstGeom prst="rect">
             <a:avLst/>
@@ -4405,7 +3651,7 @@
               <a:buNone/>
             </a:pPr>
             <a:r>
-              <a:rPr lang="en-US" sz="1400" b="1" dirty="0">
+              <a:rPr lang="en-US" sz="1200" b="1" dirty="0">
                 <a:solidFill>
                   <a:srgbClr val="FFFFFF"/>
                 </a:solidFill>
@@ -4413,46 +3659,7 @@
                 <a:ea typeface="Arial" pitchFamily="34" charset="-122"/>
                 <a:cs typeface="Arial" pitchFamily="34" charset="-120"/>
               </a:rPr>
-              <a:t>⚠️ IMPORTANTE: Cada aula tem uma atividade prática. Não pule!</a:t>
-            </a:r>
-            <a:endParaRPr lang="en-US" sz="1400" dirty="0"/>
-          </a:p>
-        </p:txBody>
-      </p:sp>
-      <p:sp>
-        <p:nvSpPr>
-          <p:cNvPr id="18" name="Text 15"/>
-          <p:cNvSpPr/>
-          <p:nvPr/>
-        </p:nvSpPr>
-        <p:spPr>
-          <a:xfrm>
-            <a:off x="1554480" y="5577840"/>
-            <a:ext cx="9144000" cy="548640"/>
-          </a:xfrm>
-          <a:prstGeom prst="rect">
-            <a:avLst/>
-          </a:prstGeom>
-          <a:noFill/>
-          <a:ln/>
-        </p:spPr>
-        <p:txBody>
-          <a:bodyPr wrap="square" rtlCol="0" anchor="ctr"/>
-          <a:lstStyle/>
-          <a:p>
-            <a:pPr algn="ctr" indent="0" marL="0">
-              <a:buNone/>
-            </a:pPr>
-            <a:r>
-              <a:rPr lang="en-US" sz="1200" dirty="0">
-                <a:solidFill>
-                  <a:srgbClr val="FFFFFF"/>
-                </a:solidFill>
-                <a:latin typeface="Arial" pitchFamily="34" charset="0"/>
-                <a:ea typeface="Arial" pitchFamily="34" charset="-122"/>
-                <a:cs typeface="Arial" pitchFamily="34" charset="-120"/>
-              </a:rPr>
-              <a:t>O conhecimento sem aplicação é apenas informação. A transformação acontece quando você pratica.</a:t>
+              <a:t>IMPORTANTE: Cada aula tem uma atividade prática. Não pule!</a:t>
             </a:r>
             <a:endParaRPr lang="en-US" sz="1200" dirty="0"/>
           </a:p>
@@ -4499,7 +3706,7 @@
         <p:spPr>
           <a:xfrm>
             <a:off x="0" y="0"/>
-            <a:ext cx="12188952" cy="1097280"/>
+            <a:ext cx="9144000" cy="914400"/>
           </a:xfrm>
           <a:prstGeom prst="rect">
             <a:avLst/>
@@ -4512,7 +3719,7 @@
       </p:sp>
       <p:pic>
         <p:nvPicPr>
-          <p:cNvPr id="3" name="Image 0" descr="/home/almirmeira/educa-com-talento-repo/cursos/foco-produtividade/certificado/logo-transparente.png">    </p:cNvPr>
+          <p:cNvPr id="3" name="Image 0" descr="preencoded.png">    </p:cNvPr>
           <p:cNvPicPr>
             <a:picLocks noChangeAspect="1"/>
           </p:cNvPicPr>
@@ -4526,8 +3733,8 @@
         </p:blipFill>
         <p:spPr>
           <a:xfrm>
-            <a:off x="274320" y="182880"/>
-            <a:ext cx="914400" cy="548640"/>
+            <a:off x="274320" y="137160"/>
+            <a:ext cx="914400" cy="457200"/>
           </a:xfrm>
           <a:prstGeom prst="rect">
             <a:avLst/>
@@ -4542,8 +3749,8 @@
         </p:nvSpPr>
         <p:spPr>
           <a:xfrm>
-            <a:off x="1828800" y="274320"/>
-            <a:ext cx="9144000" cy="548640"/>
+            <a:off x="1371600" y="228600"/>
+            <a:ext cx="7315200" cy="457200"/>
           </a:xfrm>
           <a:prstGeom prst="rect">
             <a:avLst/>
@@ -4559,7 +3766,7 @@
               <a:buNone/>
             </a:pPr>
             <a:r>
-              <a:rPr lang="en-US" sz="2800" b="1" dirty="0">
+              <a:rPr lang="en-US" sz="2200" b="1" dirty="0">
                 <a:solidFill>
                   <a:srgbClr val="FFFFFF"/>
                 </a:solidFill>
@@ -4569,7 +3776,7 @@
               </a:rPr>
               <a:t>Atividade Prática</a:t>
             </a:r>
-            <a:endParaRPr lang="en-US" sz="2800" dirty="0"/>
+            <a:endParaRPr lang="en-US" sz="2200" dirty="0"/>
           </a:p>
         </p:txBody>
       </p:sp>
@@ -4581,8 +3788,8 @@
         </p:nvSpPr>
         <p:spPr>
           <a:xfrm>
-            <a:off x="457200" y="1280160"/>
-            <a:ext cx="11274552" cy="548640"/>
+            <a:off x="457200" y="1097280"/>
+            <a:ext cx="8229600" cy="457200"/>
           </a:xfrm>
           <a:prstGeom prst="rect">
             <a:avLst/>
@@ -4598,7 +3805,7 @@
               <a:buNone/>
             </a:pPr>
             <a:r>
-              <a:rPr lang="en-US" sz="2200" b="1" dirty="0">
+              <a:rPr lang="en-US" sz="1800" b="1" dirty="0">
                 <a:solidFill>
                   <a:srgbClr val="FFFFFF"/>
                 </a:solidFill>
@@ -4606,9 +3813,9 @@
                 <a:ea typeface="Arial" pitchFamily="34" charset="-122"/>
                 <a:cs typeface="Arial" pitchFamily="34" charset="-120"/>
               </a:rPr>
-              <a:t>📝 Mapeamento do Ponto de Partida</a:t>
-            </a:r>
-            <a:endParaRPr lang="en-US" sz="2200" dirty="0"/>
+              <a:t>Mapeamento do Ponto de Partida</a:t>
+            </a:r>
+            <a:endParaRPr lang="en-US" sz="1800" dirty="0"/>
           </a:p>
         </p:txBody>
       </p:sp>
@@ -4620,8 +3827,8 @@
         </p:nvSpPr>
         <p:spPr>
           <a:xfrm>
-            <a:off x="457200" y="2011680"/>
-            <a:ext cx="11274552" cy="1188720"/>
+            <a:off x="457200" y="1737360"/>
+            <a:ext cx="8229600" cy="777240"/>
           </a:xfrm>
           <a:prstGeom prst="rect">
             <a:avLst/>
@@ -4645,8 +3852,8 @@
         </p:nvSpPr>
         <p:spPr>
           <a:xfrm>
-            <a:off x="731520" y="2240280"/>
-            <a:ext cx="731520" cy="731520"/>
+            <a:off x="640080" y="1828800"/>
+            <a:ext cx="457200" cy="457200"/>
           </a:xfrm>
           <a:prstGeom prst="ellipse">
             <a:avLst/>
@@ -4665,8 +3872,8 @@
         </p:nvSpPr>
         <p:spPr>
           <a:xfrm>
-            <a:off x="731520" y="2377440"/>
-            <a:ext cx="731520" cy="457200"/>
+            <a:off x="640080" y="1874520"/>
+            <a:ext cx="457200" cy="365760"/>
           </a:xfrm>
           <a:prstGeom prst="rect">
             <a:avLst/>
@@ -4682,7 +3889,7 @@
               <a:buNone/>
             </a:pPr>
             <a:r>
-              <a:rPr lang="en-US" sz="2000" b="1" dirty="0">
+              <a:rPr lang="en-US" sz="1400" b="1" dirty="0">
                 <a:solidFill>
                   <a:srgbClr val="FFFFFF"/>
                 </a:solidFill>
@@ -4692,7 +3899,7 @@
               </a:rPr>
               <a:t>1</a:t>
             </a:r>
-            <a:endParaRPr lang="en-US" sz="2000" dirty="0"/>
+            <a:endParaRPr lang="en-US" sz="1400" dirty="0"/>
           </a:p>
         </p:txBody>
       </p:sp>
@@ -4704,8 +3911,8 @@
         </p:nvSpPr>
         <p:spPr>
           <a:xfrm>
-            <a:off x="1645920" y="2194560"/>
-            <a:ext cx="6400800" cy="457200"/>
+            <a:off x="1280160" y="1874520"/>
+            <a:ext cx="4572000" cy="365760"/>
           </a:xfrm>
           <a:prstGeom prst="rect">
             <a:avLst/>
@@ -4721,7 +3928,7 @@
               <a:buNone/>
             </a:pPr>
             <a:r>
-              <a:rPr lang="en-US" sz="1600" b="1" dirty="0">
+              <a:rPr lang="en-US" sz="1300" b="1" dirty="0">
                 <a:solidFill>
                   <a:srgbClr val="FFFFFF"/>
                 </a:solidFill>
@@ -4731,7 +3938,7 @@
               </a:rPr>
               <a:t>Reflexão do Propósito</a:t>
             </a:r>
-            <a:endParaRPr lang="en-US" sz="1600" dirty="0"/>
+            <a:endParaRPr lang="en-US" sz="1300" dirty="0"/>
           </a:p>
         </p:txBody>
       </p:sp>
@@ -4743,8 +3950,8 @@
         </p:nvSpPr>
         <p:spPr>
           <a:xfrm>
-            <a:off x="9601200" y="2194560"/>
-            <a:ext cx="1828800" cy="457200"/>
+            <a:off x="6400800" y="1874520"/>
+            <a:ext cx="1828800" cy="365760"/>
           </a:xfrm>
           <a:prstGeom prst="rect">
             <a:avLst/>
@@ -4760,7 +3967,7 @@
               <a:buNone/>
             </a:pPr>
             <a:r>
-              <a:rPr lang="en-US" sz="1200" dirty="0">
+              <a:rPr lang="en-US" sz="1100" dirty="0">
                 <a:solidFill>
                   <a:srgbClr val="F59E0B"/>
                 </a:solidFill>
@@ -4768,61 +3975,22 @@
                 <a:ea typeface="Arial" pitchFamily="34" charset="-122"/>
                 <a:cs typeface="Arial" pitchFamily="34" charset="-120"/>
               </a:rPr>
-              <a:t>⏱️ 10 min</a:t>
-            </a:r>
-            <a:endParaRPr lang="en-US" sz="1200" dirty="0"/>
-          </a:p>
-        </p:txBody>
-      </p:sp>
-      <p:sp>
-        <p:nvSpPr>
-          <p:cNvPr id="11" name="Text 8"/>
-          <p:cNvSpPr/>
-          <p:nvPr/>
-        </p:nvSpPr>
-        <p:spPr>
-          <a:xfrm>
-            <a:off x="1645920" y="2651760"/>
-            <a:ext cx="9601200" cy="457200"/>
-          </a:xfrm>
-          <a:prstGeom prst="rect">
-            <a:avLst/>
-          </a:prstGeom>
-          <a:noFill/>
-          <a:ln/>
-        </p:spPr>
-        <p:txBody>
-          <a:bodyPr wrap="square" rtlCol="0" anchor="ctr"/>
-          <a:lstStyle/>
-          <a:p>
-            <a:pPr indent="0" marL="0">
-              <a:buNone/>
-            </a:pPr>
-            <a:r>
-              <a:rPr lang="en-US" sz="1200" dirty="0">
-                <a:solidFill>
-                  <a:srgbClr val="888888"/>
-                </a:solidFill>
-                <a:latin typeface="Arial" pitchFamily="34" charset="0"/>
-                <a:ea typeface="Arial" pitchFamily="34" charset="-122"/>
-                <a:cs typeface="Arial" pitchFamily="34" charset="-120"/>
-              </a:rPr>
-              <a:t>Escreva seu "porquê" profundo e 3 objetivos específicos</a:t>
-            </a:r>
-            <a:endParaRPr lang="en-US" sz="1200" dirty="0"/>
-          </a:p>
-        </p:txBody>
-      </p:sp>
-      <p:sp>
-        <p:nvSpPr>
-          <p:cNvPr id="12" name="Shape 9"/>
-          <p:cNvSpPr/>
-          <p:nvPr/>
-        </p:nvSpPr>
-        <p:spPr>
-          <a:xfrm>
-            <a:off x="457200" y="3383280"/>
-            <a:ext cx="11274552" cy="1188720"/>
+              <a:t>10 min</a:t>
+            </a:r>
+            <a:endParaRPr lang="en-US" sz="1100" dirty="0"/>
+          </a:p>
+        </p:txBody>
+      </p:sp>
+      <p:sp>
+        <p:nvSpPr>
+          <p:cNvPr id="11" name="Shape 8"/>
+          <p:cNvSpPr/>
+          <p:nvPr/>
+        </p:nvSpPr>
+        <p:spPr>
+          <a:xfrm>
+            <a:off x="457200" y="2651760"/>
+            <a:ext cx="8229600" cy="777240"/>
           </a:xfrm>
           <a:prstGeom prst="rect">
             <a:avLst/>
@@ -4840,14 +4008,14 @@
       </p:sp>
       <p:sp>
         <p:nvSpPr>
-          <p:cNvPr id="13" name="Shape 10"/>
-          <p:cNvSpPr/>
-          <p:nvPr/>
-        </p:nvSpPr>
-        <p:spPr>
-          <a:xfrm>
-            <a:off x="731520" y="3611880"/>
-            <a:ext cx="731520" cy="731520"/>
+          <p:cNvPr id="12" name="Shape 9"/>
+          <p:cNvSpPr/>
+          <p:nvPr/>
+        </p:nvSpPr>
+        <p:spPr>
+          <a:xfrm>
+            <a:off x="640080" y="2743200"/>
+            <a:ext cx="457200" cy="457200"/>
           </a:xfrm>
           <a:prstGeom prst="ellipse">
             <a:avLst/>
@@ -4860,30 +4028,69 @@
       </p:sp>
       <p:sp>
         <p:nvSpPr>
+          <p:cNvPr id="13" name="Text 10"/>
+          <p:cNvSpPr/>
+          <p:nvPr/>
+        </p:nvSpPr>
+        <p:spPr>
+          <a:xfrm>
+            <a:off x="640080" y="2788920"/>
+            <a:ext cx="457200" cy="365760"/>
+          </a:xfrm>
+          <a:prstGeom prst="rect">
+            <a:avLst/>
+          </a:prstGeom>
+          <a:noFill/>
+          <a:ln/>
+        </p:spPr>
+        <p:txBody>
+          <a:bodyPr wrap="square" rtlCol="0" anchor="ctr"/>
+          <a:lstStyle/>
+          <a:p>
+            <a:pPr algn="ctr" indent="0" marL="0">
+              <a:buNone/>
+            </a:pPr>
+            <a:r>
+              <a:rPr lang="en-US" sz="1400" b="1" dirty="0">
+                <a:solidFill>
+                  <a:srgbClr val="FFFFFF"/>
+                </a:solidFill>
+                <a:latin typeface="Arial" pitchFamily="34" charset="0"/>
+                <a:ea typeface="Arial" pitchFamily="34" charset="-122"/>
+                <a:cs typeface="Arial" pitchFamily="34" charset="-120"/>
+              </a:rPr>
+              <a:t>2</a:t>
+            </a:r>
+            <a:endParaRPr lang="en-US" sz="1400" dirty="0"/>
+          </a:p>
+        </p:txBody>
+      </p:sp>
+      <p:sp>
+        <p:nvSpPr>
           <p:cNvPr id="14" name="Text 11"/>
           <p:cNvSpPr/>
           <p:nvPr/>
         </p:nvSpPr>
         <p:spPr>
           <a:xfrm>
-            <a:off x="731520" y="3749040"/>
-            <a:ext cx="731520" cy="457200"/>
-          </a:xfrm>
-          <a:prstGeom prst="rect">
-            <a:avLst/>
-          </a:prstGeom>
-          <a:noFill/>
-          <a:ln/>
-        </p:spPr>
-        <p:txBody>
-          <a:bodyPr wrap="square" rtlCol="0" anchor="ctr"/>
-          <a:lstStyle/>
-          <a:p>
-            <a:pPr algn="ctr" indent="0" marL="0">
-              <a:buNone/>
-            </a:pPr>
-            <a:r>
-              <a:rPr lang="en-US" sz="2000" b="1" dirty="0">
+            <a:off x="1280160" y="2788920"/>
+            <a:ext cx="4572000" cy="365760"/>
+          </a:xfrm>
+          <a:prstGeom prst="rect">
+            <a:avLst/>
+          </a:prstGeom>
+          <a:noFill/>
+          <a:ln/>
+        </p:spPr>
+        <p:txBody>
+          <a:bodyPr wrap="square" rtlCol="0" anchor="ctr"/>
+          <a:lstStyle/>
+          <a:p>
+            <a:pPr indent="0" marL="0">
+              <a:buNone/>
+            </a:pPr>
+            <a:r>
+              <a:rPr lang="en-US" sz="1300" b="1" dirty="0">
                 <a:solidFill>
                   <a:srgbClr val="FFFFFF"/>
                 </a:solidFill>
@@ -4891,9 +4098,9 @@
                 <a:ea typeface="Arial" pitchFamily="34" charset="-122"/>
                 <a:cs typeface="Arial" pitchFamily="34" charset="-120"/>
               </a:rPr>
-              <a:t>2</a:t>
-            </a:r>
-            <a:endParaRPr lang="en-US" sz="2000" dirty="0"/>
+              <a:t>Diagnóstico Atual</a:t>
+            </a:r>
+            <a:endParaRPr lang="en-US" sz="1300" dirty="0"/>
           </a:p>
         </p:txBody>
       </p:sp>
@@ -4905,47 +4112,8 @@
         </p:nvSpPr>
         <p:spPr>
           <a:xfrm>
-            <a:off x="1645920" y="3566160"/>
-            <a:ext cx="6400800" cy="457200"/>
-          </a:xfrm>
-          <a:prstGeom prst="rect">
-            <a:avLst/>
-          </a:prstGeom>
-          <a:noFill/>
-          <a:ln/>
-        </p:spPr>
-        <p:txBody>
-          <a:bodyPr wrap="square" rtlCol="0" anchor="ctr"/>
-          <a:lstStyle/>
-          <a:p>
-            <a:pPr indent="0" marL="0">
-              <a:buNone/>
-            </a:pPr>
-            <a:r>
-              <a:rPr lang="en-US" sz="1600" b="1" dirty="0">
-                <a:solidFill>
-                  <a:srgbClr val="FFFFFF"/>
-                </a:solidFill>
-                <a:latin typeface="Arial" pitchFamily="34" charset="0"/>
-                <a:ea typeface="Arial" pitchFamily="34" charset="-122"/>
-                <a:cs typeface="Arial" pitchFamily="34" charset="-120"/>
-              </a:rPr>
-              <a:t>Diagnóstico Atual</a:t>
-            </a:r>
-            <a:endParaRPr lang="en-US" sz="1600" dirty="0"/>
-          </a:p>
-        </p:txBody>
-      </p:sp>
-      <p:sp>
-        <p:nvSpPr>
-          <p:cNvPr id="16" name="Text 13"/>
-          <p:cNvSpPr/>
-          <p:nvPr/>
-        </p:nvSpPr>
-        <p:spPr>
-          <a:xfrm>
-            <a:off x="9601200" y="3566160"/>
-            <a:ext cx="1828800" cy="457200"/>
+            <a:off x="6400800" y="2788920"/>
+            <a:ext cx="1828800" cy="365760"/>
           </a:xfrm>
           <a:prstGeom prst="rect">
             <a:avLst/>
@@ -4961,7 +4129,7 @@
               <a:buNone/>
             </a:pPr>
             <a:r>
-              <a:rPr lang="en-US" sz="1200" dirty="0">
+              <a:rPr lang="en-US" sz="1100" dirty="0">
                 <a:solidFill>
                   <a:srgbClr val="F59E0B"/>
                 </a:solidFill>
@@ -4969,61 +4137,22 @@
                 <a:ea typeface="Arial" pitchFamily="34" charset="-122"/>
                 <a:cs typeface="Arial" pitchFamily="34" charset="-120"/>
               </a:rPr>
-              <a:t>⏱️ 10 min</a:t>
-            </a:r>
-            <a:endParaRPr lang="en-US" sz="1200" dirty="0"/>
-          </a:p>
-        </p:txBody>
-      </p:sp>
-      <p:sp>
-        <p:nvSpPr>
-          <p:cNvPr id="17" name="Text 14"/>
-          <p:cNvSpPr/>
-          <p:nvPr/>
-        </p:nvSpPr>
-        <p:spPr>
-          <a:xfrm>
-            <a:off x="1645920" y="4023360"/>
-            <a:ext cx="9601200" cy="457200"/>
-          </a:xfrm>
-          <a:prstGeom prst="rect">
-            <a:avLst/>
-          </a:prstGeom>
-          <a:noFill/>
-          <a:ln/>
-        </p:spPr>
-        <p:txBody>
-          <a:bodyPr wrap="square" rtlCol="0" anchor="ctr"/>
-          <a:lstStyle/>
-          <a:p>
-            <a:pPr indent="0" marL="0">
-              <a:buNone/>
-            </a:pPr>
-            <a:r>
-              <a:rPr lang="en-US" sz="1200" dirty="0">
-                <a:solidFill>
-                  <a:srgbClr val="888888"/>
-                </a:solidFill>
-                <a:latin typeface="Arial" pitchFamily="34" charset="0"/>
-                <a:ea typeface="Arial" pitchFamily="34" charset="-122"/>
-                <a:cs typeface="Arial" pitchFamily="34" charset="-120"/>
-              </a:rPr>
-              <a:t>Avalie sua capacidade de foco (1-10) e seus maiores "ladrões de atenção"</a:t>
-            </a:r>
-            <a:endParaRPr lang="en-US" sz="1200" dirty="0"/>
-          </a:p>
-        </p:txBody>
-      </p:sp>
-      <p:sp>
-        <p:nvSpPr>
-          <p:cNvPr id="18" name="Shape 15"/>
-          <p:cNvSpPr/>
-          <p:nvPr/>
-        </p:nvSpPr>
-        <p:spPr>
-          <a:xfrm>
-            <a:off x="457200" y="4754880"/>
-            <a:ext cx="11274552" cy="1188720"/>
+              <a:t>10 min</a:t>
+            </a:r>
+            <a:endParaRPr lang="en-US" sz="1100" dirty="0"/>
+          </a:p>
+        </p:txBody>
+      </p:sp>
+      <p:sp>
+        <p:nvSpPr>
+          <p:cNvPr id="16" name="Shape 13"/>
+          <p:cNvSpPr/>
+          <p:nvPr/>
+        </p:nvSpPr>
+        <p:spPr>
+          <a:xfrm>
+            <a:off x="457200" y="3566160"/>
+            <a:ext cx="8229600" cy="777240"/>
           </a:xfrm>
           <a:prstGeom prst="rect">
             <a:avLst/>
@@ -5041,14 +4170,14 @@
       </p:sp>
       <p:sp>
         <p:nvSpPr>
-          <p:cNvPr id="19" name="Shape 16"/>
-          <p:cNvSpPr/>
-          <p:nvPr/>
-        </p:nvSpPr>
-        <p:spPr>
-          <a:xfrm>
-            <a:off x="731520" y="4983480"/>
-            <a:ext cx="731520" cy="731520"/>
+          <p:cNvPr id="17" name="Shape 14"/>
+          <p:cNvSpPr/>
+          <p:nvPr/>
+        </p:nvSpPr>
+        <p:spPr>
+          <a:xfrm>
+            <a:off x="640080" y="3657600"/>
+            <a:ext cx="457200" cy="457200"/>
           </a:xfrm>
           <a:prstGeom prst="ellipse">
             <a:avLst/>
@@ -5061,92 +4190,92 @@
       </p:sp>
       <p:sp>
         <p:nvSpPr>
+          <p:cNvPr id="18" name="Text 15"/>
+          <p:cNvSpPr/>
+          <p:nvPr/>
+        </p:nvSpPr>
+        <p:spPr>
+          <a:xfrm>
+            <a:off x="640080" y="3703320"/>
+            <a:ext cx="457200" cy="365760"/>
+          </a:xfrm>
+          <a:prstGeom prst="rect">
+            <a:avLst/>
+          </a:prstGeom>
+          <a:noFill/>
+          <a:ln/>
+        </p:spPr>
+        <p:txBody>
+          <a:bodyPr wrap="square" rtlCol="0" anchor="ctr"/>
+          <a:lstStyle/>
+          <a:p>
+            <a:pPr algn="ctr" indent="0" marL="0">
+              <a:buNone/>
+            </a:pPr>
+            <a:r>
+              <a:rPr lang="en-US" sz="1400" b="1" dirty="0">
+                <a:solidFill>
+                  <a:srgbClr val="FFFFFF"/>
+                </a:solidFill>
+                <a:latin typeface="Arial" pitchFamily="34" charset="0"/>
+                <a:ea typeface="Arial" pitchFamily="34" charset="-122"/>
+                <a:cs typeface="Arial" pitchFamily="34" charset="-120"/>
+              </a:rPr>
+              <a:t>3</a:t>
+            </a:r>
+            <a:endParaRPr lang="en-US" sz="1400" dirty="0"/>
+          </a:p>
+        </p:txBody>
+      </p:sp>
+      <p:sp>
+        <p:nvSpPr>
+          <p:cNvPr id="19" name="Text 16"/>
+          <p:cNvSpPr/>
+          <p:nvPr/>
+        </p:nvSpPr>
+        <p:spPr>
+          <a:xfrm>
+            <a:off x="1280160" y="3703320"/>
+            <a:ext cx="4572000" cy="365760"/>
+          </a:xfrm>
+          <a:prstGeom prst="rect">
+            <a:avLst/>
+          </a:prstGeom>
+          <a:noFill/>
+          <a:ln/>
+        </p:spPr>
+        <p:txBody>
+          <a:bodyPr wrap="square" rtlCol="0" anchor="ctr"/>
+          <a:lstStyle/>
+          <a:p>
+            <a:pPr indent="0" marL="0">
+              <a:buNone/>
+            </a:pPr>
+            <a:r>
+              <a:rPr lang="en-US" sz="1300" b="1" dirty="0">
+                <a:solidFill>
+                  <a:srgbClr val="FFFFFF"/>
+                </a:solidFill>
+                <a:latin typeface="Arial" pitchFamily="34" charset="0"/>
+                <a:ea typeface="Arial" pitchFamily="34" charset="-122"/>
+                <a:cs typeface="Arial" pitchFamily="34" charset="-120"/>
+              </a:rPr>
+              <a:t>Compromisso</a:t>
+            </a:r>
+            <a:endParaRPr lang="en-US" sz="1300" dirty="0"/>
+          </a:p>
+        </p:txBody>
+      </p:sp>
+      <p:sp>
+        <p:nvSpPr>
           <p:cNvPr id="20" name="Text 17"/>
           <p:cNvSpPr/>
           <p:nvPr/>
         </p:nvSpPr>
         <p:spPr>
           <a:xfrm>
-            <a:off x="731520" y="5120640"/>
-            <a:ext cx="731520" cy="457200"/>
-          </a:xfrm>
-          <a:prstGeom prst="rect">
-            <a:avLst/>
-          </a:prstGeom>
-          <a:noFill/>
-          <a:ln/>
-        </p:spPr>
-        <p:txBody>
-          <a:bodyPr wrap="square" rtlCol="0" anchor="ctr"/>
-          <a:lstStyle/>
-          <a:p>
-            <a:pPr algn="ctr" indent="0" marL="0">
-              <a:buNone/>
-            </a:pPr>
-            <a:r>
-              <a:rPr lang="en-US" sz="2000" b="1" dirty="0">
-                <a:solidFill>
-                  <a:srgbClr val="FFFFFF"/>
-                </a:solidFill>
-                <a:latin typeface="Arial" pitchFamily="34" charset="0"/>
-                <a:ea typeface="Arial" pitchFamily="34" charset="-122"/>
-                <a:cs typeface="Arial" pitchFamily="34" charset="-120"/>
-              </a:rPr>
-              <a:t>3</a:t>
-            </a:r>
-            <a:endParaRPr lang="en-US" sz="2000" dirty="0"/>
-          </a:p>
-        </p:txBody>
-      </p:sp>
-      <p:sp>
-        <p:nvSpPr>
-          <p:cNvPr id="21" name="Text 18"/>
-          <p:cNvSpPr/>
-          <p:nvPr/>
-        </p:nvSpPr>
-        <p:spPr>
-          <a:xfrm>
-            <a:off x="1645920" y="4937760"/>
-            <a:ext cx="6400800" cy="457200"/>
-          </a:xfrm>
-          <a:prstGeom prst="rect">
-            <a:avLst/>
-          </a:prstGeom>
-          <a:noFill/>
-          <a:ln/>
-        </p:spPr>
-        <p:txBody>
-          <a:bodyPr wrap="square" rtlCol="0" anchor="ctr"/>
-          <a:lstStyle/>
-          <a:p>
-            <a:pPr indent="0" marL="0">
-              <a:buNone/>
-            </a:pPr>
-            <a:r>
-              <a:rPr lang="en-US" sz="1600" b="1" dirty="0">
-                <a:solidFill>
-                  <a:srgbClr val="FFFFFF"/>
-                </a:solidFill>
-                <a:latin typeface="Arial" pitchFamily="34" charset="0"/>
-                <a:ea typeface="Arial" pitchFamily="34" charset="-122"/>
-                <a:cs typeface="Arial" pitchFamily="34" charset="-120"/>
-              </a:rPr>
-              <a:t>Compromisso</a:t>
-            </a:r>
-            <a:endParaRPr lang="en-US" sz="1600" dirty="0"/>
-          </a:p>
-        </p:txBody>
-      </p:sp>
-      <p:sp>
-        <p:nvSpPr>
-          <p:cNvPr id="22" name="Text 19"/>
-          <p:cNvSpPr/>
-          <p:nvPr/>
-        </p:nvSpPr>
-        <p:spPr>
-          <a:xfrm>
-            <a:off x="9601200" y="4937760"/>
-            <a:ext cx="1828800" cy="457200"/>
+            <a:off x="6400800" y="3703320"/>
+            <a:ext cx="1828800" cy="365760"/>
           </a:xfrm>
           <a:prstGeom prst="rect">
             <a:avLst/>
@@ -5162,7 +4291,7 @@
               <a:buNone/>
             </a:pPr>
             <a:r>
-              <a:rPr lang="en-US" sz="1200" dirty="0">
+              <a:rPr lang="en-US" sz="1100" dirty="0">
                 <a:solidFill>
                   <a:srgbClr val="F59E0B"/>
                 </a:solidFill>
@@ -5170,61 +4299,22 @@
                 <a:ea typeface="Arial" pitchFamily="34" charset="-122"/>
                 <a:cs typeface="Arial" pitchFamily="34" charset="-120"/>
               </a:rPr>
-              <a:t>⏱️ 5 min</a:t>
-            </a:r>
-            <a:endParaRPr lang="en-US" sz="1200" dirty="0"/>
-          </a:p>
-        </p:txBody>
-      </p:sp>
-      <p:sp>
-        <p:nvSpPr>
-          <p:cNvPr id="23" name="Text 20"/>
-          <p:cNvSpPr/>
-          <p:nvPr/>
-        </p:nvSpPr>
-        <p:spPr>
-          <a:xfrm>
-            <a:off x="1645920" y="5394960"/>
-            <a:ext cx="9601200" cy="457200"/>
-          </a:xfrm>
-          <a:prstGeom prst="rect">
-            <a:avLst/>
-          </a:prstGeom>
-          <a:noFill/>
-          <a:ln/>
-        </p:spPr>
-        <p:txBody>
-          <a:bodyPr wrap="square" rtlCol="0" anchor="ctr"/>
-          <a:lstStyle/>
-          <a:p>
-            <a:pPr indent="0" marL="0">
-              <a:buNone/>
-            </a:pPr>
-            <a:r>
-              <a:rPr lang="en-US" sz="1200" dirty="0">
-                <a:solidFill>
-                  <a:srgbClr val="888888"/>
-                </a:solidFill>
-                <a:latin typeface="Arial" pitchFamily="34" charset="0"/>
-                <a:ea typeface="Arial" pitchFamily="34" charset="-122"/>
-                <a:cs typeface="Arial" pitchFamily="34" charset="-120"/>
-              </a:rPr>
-              <a:t>Escreva um compromisso consigo mesmo e defina horário fixo para o curso</a:t>
-            </a:r>
-            <a:endParaRPr lang="en-US" sz="1200" dirty="0"/>
-          </a:p>
-        </p:txBody>
-      </p:sp>
-      <p:sp>
-        <p:nvSpPr>
-          <p:cNvPr id="24" name="Shape 21"/>
-          <p:cNvSpPr/>
-          <p:nvPr/>
-        </p:nvSpPr>
-        <p:spPr>
-          <a:xfrm>
-            <a:off x="1828800" y="5760720"/>
-            <a:ext cx="8531352" cy="731520"/>
+              <a:t>5 min</a:t>
+            </a:r>
+            <a:endParaRPr lang="en-US" sz="1100" dirty="0"/>
+          </a:p>
+        </p:txBody>
+      </p:sp>
+      <p:sp>
+        <p:nvSpPr>
+          <p:cNvPr id="21" name="Shape 18"/>
+          <p:cNvSpPr/>
+          <p:nvPr/>
+        </p:nvSpPr>
+        <p:spPr>
+          <a:xfrm>
+            <a:off x="1828800" y="4480560"/>
+            <a:ext cx="5486400" cy="457200"/>
           </a:xfrm>
           <a:prstGeom prst="rect">
             <a:avLst/>
@@ -5237,14 +4327,14 @@
       </p:sp>
       <p:sp>
         <p:nvSpPr>
-          <p:cNvPr id="25" name="Text 22"/>
-          <p:cNvSpPr/>
-          <p:nvPr/>
-        </p:nvSpPr>
-        <p:spPr>
-          <a:xfrm>
-            <a:off x="1828800" y="5852160"/>
-            <a:ext cx="8531352" cy="548640"/>
+          <p:cNvPr id="22" name="Text 19"/>
+          <p:cNvSpPr/>
+          <p:nvPr/>
+        </p:nvSpPr>
+        <p:spPr>
+          <a:xfrm>
+            <a:off x="1828800" y="4526280"/>
+            <a:ext cx="5486400" cy="365760"/>
           </a:xfrm>
           <a:prstGeom prst="rect">
             <a:avLst/>
@@ -5260,7 +4350,7 @@
               <a:buNone/>
             </a:pPr>
             <a:r>
-              <a:rPr lang="en-US" sz="1400" b="1" dirty="0">
+              <a:rPr lang="en-US" sz="1200" b="1" dirty="0">
                 <a:solidFill>
                   <a:srgbClr val="FFFFFF"/>
                 </a:solidFill>
@@ -5270,7 +4360,7 @@
               </a:rPr>
               <a:t>Submeta suas respostas no Moodle!</a:t>
             </a:r>
-            <a:endParaRPr lang="en-US" sz="1400" dirty="0"/>
+            <a:endParaRPr lang="en-US" sz="1200" dirty="0"/>
           </a:p>
         </p:txBody>
       </p:sp>
@@ -5315,7 +4405,7 @@
         <p:spPr>
           <a:xfrm>
             <a:off x="0" y="0"/>
-            <a:ext cx="12188952" cy="6858000"/>
+            <a:ext cx="9144000" cy="5143500"/>
           </a:xfrm>
           <a:prstGeom prst="rect">
             <a:avLst/>
@@ -5328,7 +4418,7 @@
       </p:sp>
       <p:pic>
         <p:nvPicPr>
-          <p:cNvPr id="3" name="Image 0" descr="/home/almirmeira/educa-com-talento-repo/cursos/foco-produtividade/certificado/logo-transparente.png">    </p:cNvPr>
+          <p:cNvPr id="3" name="Image 0" descr="preencoded.png">    </p:cNvPr>
           <p:cNvPicPr>
             <a:picLocks noChangeAspect="1"/>
           </p:cNvPicPr>
@@ -5343,7 +4433,7 @@
         <p:spPr>
           <a:xfrm>
             <a:off x="457200" y="274320"/>
-            <a:ext cx="914400" cy="731520"/>
+            <a:ext cx="914400" cy="457200"/>
           </a:xfrm>
           <a:prstGeom prst="rect">
             <a:avLst/>
@@ -5358,8 +4448,8 @@
         </p:nvSpPr>
         <p:spPr>
           <a:xfrm>
-            <a:off x="457200" y="1188720"/>
-            <a:ext cx="11274552" cy="640080"/>
+            <a:off x="457200" y="1005840"/>
+            <a:ext cx="8229600" cy="548640"/>
           </a:xfrm>
           <a:prstGeom prst="rect">
             <a:avLst/>
@@ -5375,7 +4465,7 @@
               <a:buNone/>
             </a:pPr>
             <a:r>
-              <a:rPr lang="en-US" sz="3200" b="1" dirty="0">
+              <a:rPr lang="en-US" sz="2600" b="1" dirty="0">
                 <a:solidFill>
                   <a:srgbClr val="FFFFFF"/>
                 </a:solidFill>
@@ -5385,7 +4475,7 @@
               </a:rPr>
               <a:t>Resumo da Aula</a:t>
             </a:r>
-            <a:endParaRPr lang="en-US" sz="3200" dirty="0"/>
+            <a:endParaRPr lang="en-US" sz="2600" dirty="0"/>
           </a:p>
         </p:txBody>
       </p:sp>
@@ -5397,8 +4487,8 @@
         </p:nvSpPr>
         <p:spPr>
           <a:xfrm>
-            <a:off x="1371600" y="2103120"/>
-            <a:ext cx="9445752" cy="640080"/>
+            <a:off x="914400" y="1737360"/>
+            <a:ext cx="7315200" cy="457200"/>
           </a:xfrm>
           <a:prstGeom prst="rect">
             <a:avLst/>
@@ -5414,7 +4504,7 @@
               <a:buNone/>
             </a:pPr>
             <a:r>
-              <a:rPr lang="en-US" sz="1600" dirty="0">
+              <a:rPr lang="en-US" sz="1400" dirty="0">
                 <a:solidFill>
                   <a:srgbClr val="FFFFFF"/>
                 </a:solidFill>
@@ -5422,9 +4512,9 @@
                 <a:ea typeface="Arial" pitchFamily="34" charset="-122"/>
                 <a:cs typeface="Arial" pitchFamily="34" charset="-120"/>
               </a:rPr>
-              <a:t>✅ O problema da distração é real, mas tem solução</a:t>
-            </a:r>
-            <a:endParaRPr lang="en-US" sz="1600" dirty="0"/>
+              <a:t>✓ O problema da distração é real, mas tem solução</a:t>
+            </a:r>
+            <a:endParaRPr lang="en-US" sz="1400" dirty="0"/>
           </a:p>
         </p:txBody>
       </p:sp>
@@ -5436,8 +4526,8 @@
         </p:nvSpPr>
         <p:spPr>
           <a:xfrm>
-            <a:off x="1371600" y="2834640"/>
-            <a:ext cx="9445752" cy="640080"/>
+            <a:off x="914400" y="2286000"/>
+            <a:ext cx="7315200" cy="457200"/>
           </a:xfrm>
           <a:prstGeom prst="rect">
             <a:avLst/>
@@ -5453,7 +4543,7 @@
               <a:buNone/>
             </a:pPr>
             <a:r>
-              <a:rPr lang="en-US" sz="1600" dirty="0">
+              <a:rPr lang="en-US" sz="1400" dirty="0">
                 <a:solidFill>
                   <a:srgbClr val="FFFFFF"/>
                 </a:solidFill>
@@ -5461,9 +4551,9 @@
                 <a:ea typeface="Arial" pitchFamily="34" charset="-122"/>
                 <a:cs typeface="Arial" pitchFamily="34" charset="-120"/>
               </a:rPr>
-              <a:t>✅ O método deste curso é baseado em ciência comprovada</a:t>
-            </a:r>
-            <a:endParaRPr lang="en-US" sz="1600" dirty="0"/>
+              <a:t>✓ O método é baseado em ciência comprovada</a:t>
+            </a:r>
+            <a:endParaRPr lang="en-US" sz="1400" dirty="0"/>
           </a:p>
         </p:txBody>
       </p:sp>
@@ -5475,8 +4565,8 @@
         </p:nvSpPr>
         <p:spPr>
           <a:xfrm>
-            <a:off x="1371600" y="3566160"/>
-            <a:ext cx="9445752" cy="640080"/>
+            <a:off x="914400" y="2834640"/>
+            <a:ext cx="7315200" cy="457200"/>
           </a:xfrm>
           <a:prstGeom prst="rect">
             <a:avLst/>
@@ -5492,7 +4582,7 @@
               <a:buNone/>
             </a:pPr>
             <a:r>
-              <a:rPr lang="en-US" sz="1600" dirty="0">
+              <a:rPr lang="en-US" sz="1400" dirty="0">
                 <a:solidFill>
                   <a:srgbClr val="FFFFFF"/>
                 </a:solidFill>
@@ -5500,9 +4590,9 @@
                 <a:ea typeface="Arial" pitchFamily="34" charset="-122"/>
                 <a:cs typeface="Arial" pitchFamily="34" charset="-120"/>
               </a:rPr>
-              <a:t>✅ Seu propósito pessoal é fundamental para o sucesso</a:t>
-            </a:r>
-            <a:endParaRPr lang="en-US" sz="1600" dirty="0"/>
+              <a:t>✓ Seu propósito pessoal é fundamental para o sucesso</a:t>
+            </a:r>
+            <a:endParaRPr lang="en-US" sz="1400" dirty="0"/>
           </a:p>
         </p:txBody>
       </p:sp>
@@ -5514,8 +4604,8 @@
         </p:nvSpPr>
         <p:spPr>
           <a:xfrm>
-            <a:off x="1371600" y="4297680"/>
-            <a:ext cx="9445752" cy="640080"/>
+            <a:off x="914400" y="3383280"/>
+            <a:ext cx="7315200" cy="457200"/>
           </a:xfrm>
           <a:prstGeom prst="rect">
             <a:avLst/>
@@ -5531,7 +4621,7 @@
               <a:buNone/>
             </a:pPr>
             <a:r>
-              <a:rPr lang="en-US" sz="1600" dirty="0">
+              <a:rPr lang="en-US" sz="1400" dirty="0">
                 <a:solidFill>
                   <a:srgbClr val="FFFFFF"/>
                 </a:solidFill>
@@ -5539,9 +4629,9 @@
                 <a:ea typeface="Arial" pitchFamily="34" charset="-122"/>
                 <a:cs typeface="Arial" pitchFamily="34" charset="-120"/>
               </a:rPr>
-              <a:t>✅ São 30 aulas em 2 módulos: Hiperfoco e Foco Disperso</a:t>
-            </a:r>
-            <a:endParaRPr lang="en-US" sz="1600" dirty="0"/>
+              <a:t>✓ São 30 aulas em 2 módulos: Hiperfoco e Foco Disperso</a:t>
+            </a:r>
+            <a:endParaRPr lang="en-US" sz="1400" dirty="0"/>
           </a:p>
         </p:txBody>
       </p:sp>
@@ -5553,8 +4643,8 @@
         </p:nvSpPr>
         <p:spPr>
           <a:xfrm>
-            <a:off x="914400" y="4754880"/>
-            <a:ext cx="10360152" cy="1188720"/>
+            <a:off x="457200" y="3840480"/>
+            <a:ext cx="8229600" cy="822960"/>
           </a:xfrm>
           <a:prstGeom prst="rect">
             <a:avLst/>
@@ -5573,8 +4663,8 @@
         </p:nvSpPr>
         <p:spPr>
           <a:xfrm>
-            <a:off x="1097280" y="4846320"/>
-            <a:ext cx="10058400" cy="822960"/>
+            <a:off x="640080" y="3931920"/>
+            <a:ext cx="7863840" cy="640080"/>
           </a:xfrm>
           <a:prstGeom prst="rect">
             <a:avLst/>
@@ -5590,7 +4680,7 @@
               <a:buNone/>
             </a:pPr>
             <a:r>
-              <a:rPr lang="en-US" sz="1600" i="1" dirty="0">
+              <a:rPr lang="en-US" sz="1300" i="1" dirty="0">
                 <a:solidFill>
                   <a:srgbClr val="FFFFFF"/>
                 </a:solidFill>
@@ -5598,104 +4688,9 @@
                 <a:ea typeface="Arial" pitchFamily="34" charset="-122"/>
                 <a:cs typeface="Arial" pitchFamily="34" charset="-120"/>
               </a:rPr>
-              <a:t>"A jornada de mil milhas começa com um único passo.</a:t>
-            </a:r>
-            <a:endParaRPr lang="en-US" sz="1600" dirty="0"/>
-          </a:p>
-          <a:p>
-            <a:pPr algn="ctr" indent="0" marL="0">
-              <a:buNone/>
-            </a:pPr>
-            <a:r>
-              <a:rPr lang="en-US" sz="1600" i="1" dirty="0">
-                <a:solidFill>
-                  <a:srgbClr val="FFFFFF"/>
-                </a:solidFill>
-                <a:latin typeface="Arial" pitchFamily="34" charset="0"/>
-                <a:ea typeface="Arial" pitchFamily="34" charset="-122"/>
-                <a:cs typeface="Arial" pitchFamily="34" charset="-120"/>
-              </a:rPr>
-              <a:t>Você acabou de dar o seu."</a:t>
-            </a:r>
-            <a:endParaRPr lang="en-US" sz="1600" dirty="0"/>
-          </a:p>
-        </p:txBody>
-      </p:sp>
-      <p:sp>
-        <p:nvSpPr>
-          <p:cNvPr id="11" name="Text 8"/>
-          <p:cNvSpPr/>
-          <p:nvPr/>
-        </p:nvSpPr>
-        <p:spPr>
-          <a:xfrm>
-            <a:off x="457200" y="6126480"/>
-            <a:ext cx="11274552" cy="365760"/>
-          </a:xfrm>
-          <a:prstGeom prst="rect">
-            <a:avLst/>
-          </a:prstGeom>
-          <a:noFill/>
-          <a:ln/>
-        </p:spPr>
-        <p:txBody>
-          <a:bodyPr wrap="square" rtlCol="0" anchor="ctr"/>
-          <a:lstStyle/>
-          <a:p>
-            <a:pPr algn="ctr" indent="0" marL="0">
-              <a:buNone/>
-            </a:pPr>
-            <a:r>
-              <a:rPr lang="en-US" sz="1200" dirty="0">
-                <a:solidFill>
-                  <a:srgbClr val="888888"/>
-                </a:solidFill>
-                <a:latin typeface="Arial" pitchFamily="34" charset="0"/>
-                <a:ea typeface="Arial" pitchFamily="34" charset="-122"/>
-                <a:cs typeface="Arial" pitchFamily="34" charset="-120"/>
-              </a:rPr>
-              <a:t>Próxima Aula: Hiperfoco e Hiperprodutividade - Definindo os Conceitos</a:t>
-            </a:r>
-            <a:endParaRPr lang="en-US" sz="1200" dirty="0"/>
-          </a:p>
-        </p:txBody>
-      </p:sp>
-      <p:sp>
-        <p:nvSpPr>
-          <p:cNvPr id="12" name="Text 9"/>
-          <p:cNvSpPr/>
-          <p:nvPr/>
-        </p:nvSpPr>
-        <p:spPr>
-          <a:xfrm>
-            <a:off x="457200" y="6492240"/>
-            <a:ext cx="11274552" cy="274320"/>
-          </a:xfrm>
-          <a:prstGeom prst="rect">
-            <a:avLst/>
-          </a:prstGeom>
-          <a:noFill/>
-          <a:ln/>
-        </p:spPr>
-        <p:txBody>
-          <a:bodyPr wrap="square" rtlCol="0" anchor="ctr"/>
-          <a:lstStyle/>
-          <a:p>
-            <a:pPr algn="ctr" indent="0" marL="0">
-              <a:buNone/>
-            </a:pPr>
-            <a:r>
-              <a:rPr lang="en-US" sz="1000" dirty="0">
-                <a:solidFill>
-                  <a:srgbClr val="888888"/>
-                </a:solidFill>
-                <a:latin typeface="Arial" pitchFamily="34" charset="0"/>
-                <a:ea typeface="Arial" pitchFamily="34" charset="-122"/>
-                <a:cs typeface="Arial" pitchFamily="34" charset="-120"/>
-              </a:rPr>
-              <a:t>Educa com Talento</a:t>
-            </a:r>
-            <a:endParaRPr lang="en-US" sz="1000" dirty="0"/>
+              <a:t>"A jornada de mil milhas começa com um único passo. Você acabou de dar o seu."</a:t>
+            </a:r>
+            <a:endParaRPr lang="en-US" sz="1300" dirty="0"/>
           </a:p>
         </p:txBody>
       </p:sp>
